--- a/media/device_connection_figure_source.pptx
+++ b/media/device_connection_figure_source.pptx
@@ -7,8 +7,7 @@
   <p:sldIdLst>
     <p:sldId id="295" r:id="rId2"/>
     <p:sldId id="296" r:id="rId3"/>
-    <p:sldId id="293" r:id="rId4"/>
-    <p:sldId id="294" r:id="rId5"/>
+    <p:sldId id="297" r:id="rId4"/>
   </p:sldIdLst>
   <p:sldSz cx="12192000" cy="6858000"/>
   <p:notesSz cx="6858000" cy="9144000"/>
@@ -262,7 +261,7 @@
           <a:p>
             <a:fld id="{9C089D1F-AB77-994C-AB69-EBEA45B05428}" type="datetimeFigureOut">
               <a:rPr kumimoji="1" lang="zh-CN" altLang="en-US" smtClean="0"/>
-              <a:t>2018/9/28</a:t>
+              <a:t>2018/11/18</a:t>
             </a:fld>
             <a:endParaRPr kumimoji="1" lang="zh-CN" altLang="en-US"/>
           </a:p>
@@ -435,7 +434,7 @@
           <a:p>
             <a:fld id="{9C089D1F-AB77-994C-AB69-EBEA45B05428}" type="datetimeFigureOut">
               <a:rPr kumimoji="1" lang="zh-CN" altLang="en-US" smtClean="0"/>
-              <a:t>2018/9/28</a:t>
+              <a:t>2018/11/18</a:t>
             </a:fld>
             <a:endParaRPr kumimoji="1" lang="zh-CN" altLang="en-US"/>
           </a:p>
@@ -618,7 +617,7 @@
           <a:p>
             <a:fld id="{9C089D1F-AB77-994C-AB69-EBEA45B05428}" type="datetimeFigureOut">
               <a:rPr kumimoji="1" lang="zh-CN" altLang="en-US" smtClean="0"/>
-              <a:t>2018/9/28</a:t>
+              <a:t>2018/11/18</a:t>
             </a:fld>
             <a:endParaRPr kumimoji="1" lang="zh-CN" altLang="en-US"/>
           </a:p>
@@ -791,7 +790,7 @@
           <a:p>
             <a:fld id="{9C089D1F-AB77-994C-AB69-EBEA45B05428}" type="datetimeFigureOut">
               <a:rPr kumimoji="1" lang="zh-CN" altLang="en-US" smtClean="0"/>
-              <a:t>2018/9/28</a:t>
+              <a:t>2018/11/18</a:t>
             </a:fld>
             <a:endParaRPr kumimoji="1" lang="zh-CN" altLang="en-US"/>
           </a:p>
@@ -1069,7 +1068,7 @@
           <a:p>
             <a:fld id="{9C089D1F-AB77-994C-AB69-EBEA45B05428}" type="datetimeFigureOut">
               <a:rPr kumimoji="1" lang="zh-CN" altLang="en-US" smtClean="0"/>
-              <a:t>2018/9/28</a:t>
+              <a:t>2018/11/18</a:t>
             </a:fld>
             <a:endParaRPr kumimoji="1" lang="zh-CN" altLang="en-US"/>
           </a:p>
@@ -1284,7 +1283,7 @@
           <a:p>
             <a:fld id="{9C089D1F-AB77-994C-AB69-EBEA45B05428}" type="datetimeFigureOut">
               <a:rPr kumimoji="1" lang="zh-CN" altLang="en-US" smtClean="0"/>
-              <a:t>2018/9/28</a:t>
+              <a:t>2018/11/18</a:t>
             </a:fld>
             <a:endParaRPr kumimoji="1" lang="zh-CN" altLang="en-US"/>
           </a:p>
@@ -1652,7 +1651,7 @@
           <a:p>
             <a:fld id="{9C089D1F-AB77-994C-AB69-EBEA45B05428}" type="datetimeFigureOut">
               <a:rPr kumimoji="1" lang="zh-CN" altLang="en-US" smtClean="0"/>
-              <a:t>2018/9/28</a:t>
+              <a:t>2018/11/18</a:t>
             </a:fld>
             <a:endParaRPr kumimoji="1" lang="zh-CN" altLang="en-US"/>
           </a:p>
@@ -1793,7 +1792,7 @@
           <a:p>
             <a:fld id="{9C089D1F-AB77-994C-AB69-EBEA45B05428}" type="datetimeFigureOut">
               <a:rPr kumimoji="1" lang="zh-CN" altLang="en-US" smtClean="0"/>
-              <a:t>2018/9/28</a:t>
+              <a:t>2018/11/18</a:t>
             </a:fld>
             <a:endParaRPr kumimoji="1" lang="zh-CN" altLang="en-US"/>
           </a:p>
@@ -1906,7 +1905,7 @@
           <a:p>
             <a:fld id="{9C089D1F-AB77-994C-AB69-EBEA45B05428}" type="datetimeFigureOut">
               <a:rPr kumimoji="1" lang="zh-CN" altLang="en-US" smtClean="0"/>
-              <a:t>2018/9/28</a:t>
+              <a:t>2018/11/18</a:t>
             </a:fld>
             <a:endParaRPr kumimoji="1" lang="zh-CN" altLang="en-US"/>
           </a:p>
@@ -2195,7 +2194,7 @@
           <a:p>
             <a:fld id="{9C089D1F-AB77-994C-AB69-EBEA45B05428}" type="datetimeFigureOut">
               <a:rPr kumimoji="1" lang="zh-CN" altLang="en-US" smtClean="0"/>
-              <a:t>2018/9/28</a:t>
+              <a:t>2018/11/18</a:t>
             </a:fld>
             <a:endParaRPr kumimoji="1" lang="zh-CN" altLang="en-US"/>
           </a:p>
@@ -2486,7 +2485,7 @@
           <a:p>
             <a:fld id="{9C089D1F-AB77-994C-AB69-EBEA45B05428}" type="datetimeFigureOut">
               <a:rPr kumimoji="1" lang="zh-CN" altLang="en-US" smtClean="0"/>
-              <a:t>2018/9/28</a:t>
+              <a:t>2018/11/18</a:t>
             </a:fld>
             <a:endParaRPr kumimoji="1" lang="zh-CN" altLang="en-US"/>
           </a:p>
@@ -2702,7 +2701,7 @@
           <a:p>
             <a:fld id="{9C089D1F-AB77-994C-AB69-EBEA45B05428}" type="datetimeFigureOut">
               <a:rPr kumimoji="1" lang="zh-CN" altLang="en-US" smtClean="0"/>
-              <a:t>2018/9/28</a:t>
+              <a:t>2018/11/18</a:t>
             </a:fld>
             <a:endParaRPr kumimoji="1" lang="zh-CN" altLang="en-US"/>
           </a:p>
@@ -5977,6 +5976,13 @@
   <p:clrMapOvr>
     <a:masterClrMapping/>
   </p:clrMapOvr>
+  <p:timing>
+    <p:tnLst>
+      <p:par>
+        <p:cTn id="1" dur="indefinite" restart="never" nodeType="tmRoot"/>
+      </p:par>
+    </p:tnLst>
+  </p:timing>
 </p:sld>
 </file>
 
@@ -5999,79 +6005,18 @@
       </p:grpSpPr>
       <p:grpSp>
         <p:nvGrpSpPr>
-          <p:cNvPr id="36" name="组合 35">
-            <a:extLst>
-              <a:ext uri="{FF2B5EF4-FFF2-40B4-BE49-F238E27FC236}">
-                <a16:creationId xmlns:a16="http://schemas.microsoft.com/office/drawing/2014/main" id="{5306945E-5ECE-DD4C-8420-BB0AA3754B78}"/>
-              </a:ext>
-            </a:extLst>
-          </p:cNvPr>
+          <p:cNvPr id="4" name="组合 3"/>
           <p:cNvGrpSpPr/>
           <p:nvPr/>
         </p:nvGrpSpPr>
         <p:grpSpPr>
           <a:xfrm>
-            <a:off x="2743200" y="200665"/>
-            <a:ext cx="8629650" cy="4741664"/>
-            <a:chOff x="2743200" y="200665"/>
-            <a:chExt cx="8629650" cy="6103620"/>
+            <a:off x="1024890" y="3202011"/>
+            <a:ext cx="1485900" cy="372940"/>
+            <a:chOff x="1024890" y="3210544"/>
+            <a:chExt cx="1485900" cy="372940"/>
           </a:xfrm>
         </p:grpSpPr>
-        <p:sp>
-          <p:nvSpPr>
-            <p:cNvPr id="5" name="矩形 4">
-              <a:extLst>
-                <a:ext uri="{FF2B5EF4-FFF2-40B4-BE49-F238E27FC236}">
-                  <a16:creationId xmlns:a16="http://schemas.microsoft.com/office/drawing/2014/main" id="{93799587-1465-BE4D-974A-CF451F917923}"/>
-                </a:ext>
-              </a:extLst>
-            </p:cNvPr>
-            <p:cNvSpPr/>
-            <p:nvPr/>
-          </p:nvSpPr>
-          <p:spPr>
-            <a:xfrm>
-              <a:off x="2743200" y="200665"/>
-              <a:ext cx="8629650" cy="6103620"/>
-            </a:xfrm>
-            <a:prstGeom prst="rect">
-              <a:avLst/>
-            </a:prstGeom>
-            <a:solidFill>
-              <a:schemeClr val="bg1"/>
-            </a:solidFill>
-            <a:ln w="28575">
-              <a:noFill/>
-            </a:ln>
-          </p:spPr>
-          <p:style>
-            <a:lnRef idx="2">
-              <a:schemeClr val="accent1">
-                <a:shade val="50000"/>
-              </a:schemeClr>
-            </a:lnRef>
-            <a:fillRef idx="1">
-              <a:schemeClr val="accent1"/>
-            </a:fillRef>
-            <a:effectRef idx="0">
-              <a:schemeClr val="accent1"/>
-            </a:effectRef>
-            <a:fontRef idx="minor">
-              <a:schemeClr val="lt1"/>
-            </a:fontRef>
-          </p:style>
-          <p:txBody>
-            <a:bodyPr rtlCol="0" anchor="ctr"/>
-            <a:lstStyle/>
-            <a:p>
-              <a:endParaRPr kumimoji="1" lang="zh-CN" altLang="en-US" sz="1200" dirty="0">
-                <a:solidFill>
-                  <a:schemeClr val="tx1"/>
-                </a:solidFill>
-              </a:endParaRPr>
-            </a:p>
-          </p:txBody>
-        </p:sp>
         <p:sp>
           <p:nvSpPr>
             <p:cNvPr id="6" name="矩形 5">
@@ -6086,8 +6031,8 @@
           </p:nvSpPr>
           <p:spPr>
             <a:xfrm>
-              <a:off x="3006090" y="642030"/>
-              <a:ext cx="1485900" cy="480060"/>
+              <a:off x="1024890" y="3210544"/>
+              <a:ext cx="1485900" cy="372940"/>
             </a:xfrm>
             <a:prstGeom prst="rect">
               <a:avLst/>
@@ -6143,7 +6088,7 @@
           </p:nvSpPr>
           <p:spPr>
             <a:xfrm>
-              <a:off x="3267177" y="697394"/>
+              <a:off x="1346937" y="3289419"/>
               <a:ext cx="963725" cy="276999"/>
             </a:xfrm>
             <a:prstGeom prst="rect">
@@ -6161,19 +6106,84 @@
             <a:lstStyle/>
             <a:p>
               <a:r>
-                <a:rPr kumimoji="1" lang="en-US" altLang="zh-CN" sz="1200" dirty="0"/>
-                <a:t>Domain</a:t>
+                <a:rPr kumimoji="1" lang="en-US" altLang="zh-CN" sz="1200" dirty="0" smtClean="0"/>
+                <a:t>Inverter</a:t>
               </a:r>
               <a:endParaRPr kumimoji="1" lang="zh-CN" altLang="en-US" sz="1200" dirty="0"/>
             </a:p>
           </p:txBody>
         </p:sp>
+      </p:grpSp>
+      <p:cxnSp>
+        <p:nvCxnSpPr>
+          <p:cNvPr id="26" name="肘形连接符 25">
+            <a:extLst>
+              <a:ext uri="{FF2B5EF4-FFF2-40B4-BE49-F238E27FC236}">
+                <a16:creationId xmlns:a16="http://schemas.microsoft.com/office/drawing/2014/main" id="{2BBEF383-89D1-9A47-AE64-4ADE63DE4661}"/>
+              </a:ext>
+            </a:extLst>
+          </p:cNvPr>
+          <p:cNvCxnSpPr>
+            <a:cxnSpLocks/>
+            <a:stCxn id="40" idx="3"/>
+            <a:endCxn id="35" idx="1"/>
+          </p:cNvCxnSpPr>
+          <p:nvPr/>
+        </p:nvCxnSpPr>
+        <p:spPr>
+          <a:xfrm>
+            <a:off x="2510790" y="2799777"/>
+            <a:ext cx="874063" cy="588704"/>
+          </a:xfrm>
+          <a:prstGeom prst="bentConnector3">
+            <a:avLst>
+              <a:gd name="adj1" fmla="val 50000"/>
+            </a:avLst>
+          </a:prstGeom>
+          <a:solidFill>
+            <a:schemeClr val="bg1"/>
+          </a:solidFill>
+          <a:ln>
+            <a:solidFill>
+              <a:schemeClr val="tx1"/>
+            </a:solidFill>
+          </a:ln>
+        </p:spPr>
+        <p:style>
+          <a:lnRef idx="1">
+            <a:schemeClr val="accent1"/>
+          </a:lnRef>
+          <a:fillRef idx="0">
+            <a:schemeClr val="accent1"/>
+          </a:fillRef>
+          <a:effectRef idx="0">
+            <a:schemeClr val="accent1"/>
+          </a:effectRef>
+          <a:fontRef idx="minor">
+            <a:schemeClr val="tx1"/>
+          </a:fontRef>
+        </p:style>
+      </p:cxnSp>
+      <p:grpSp>
+        <p:nvGrpSpPr>
+          <p:cNvPr id="34" name="组合 33"/>
+          <p:cNvGrpSpPr/>
+          <p:nvPr/>
+        </p:nvGrpSpPr>
+        <p:grpSpPr>
+          <a:xfrm>
+            <a:off x="3384853" y="3202011"/>
+            <a:ext cx="1485900" cy="372940"/>
+            <a:chOff x="1024890" y="3210544"/>
+            <a:chExt cx="1485900" cy="372940"/>
+          </a:xfrm>
+        </p:grpSpPr>
         <p:sp>
           <p:nvSpPr>
-            <p:cNvPr id="8" name="矩形 7">
+            <p:cNvPr id="35" name="矩形 34">
               <a:extLst>
                 <a:ext uri="{FF2B5EF4-FFF2-40B4-BE49-F238E27FC236}">
-                  <a16:creationId xmlns:a16="http://schemas.microsoft.com/office/drawing/2014/main" id="{08AB515B-5CA2-A743-AB91-1EADEAAFF091}"/>
+                  <a16:creationId xmlns:a16="http://schemas.microsoft.com/office/drawing/2014/main" id="{D2DC40B8-208F-864F-9CB0-4D4F278286AC}"/>
                 </a:ext>
               </a:extLst>
             </p:cNvPr>
@@ -6182,8 +6192,8 @@
           </p:nvSpPr>
           <p:spPr>
             <a:xfrm>
-              <a:off x="4491990" y="1674183"/>
-              <a:ext cx="1485900" cy="480060"/>
+              <a:off x="1024890" y="3210544"/>
+              <a:ext cx="1485900" cy="372940"/>
             </a:xfrm>
             <a:prstGeom prst="rect">
               <a:avLst/>
@@ -6227,10 +6237,10 @@
         </p:sp>
         <p:sp>
           <p:nvSpPr>
-            <p:cNvPr id="9" name="文本框 8">
+            <p:cNvPr id="37" name="文本框 36">
               <a:extLst>
                 <a:ext uri="{FF2B5EF4-FFF2-40B4-BE49-F238E27FC236}">
-                  <a16:creationId xmlns:a16="http://schemas.microsoft.com/office/drawing/2014/main" id="{E57C5E8E-45BA-C94A-8916-6DFA2C69BE4B}"/>
+                  <a16:creationId xmlns:a16="http://schemas.microsoft.com/office/drawing/2014/main" id="{B86649D5-4C92-F54C-AEE6-FCD144A379FC}"/>
                 </a:ext>
               </a:extLst>
             </p:cNvPr>
@@ -6239,8 +6249,8 @@
           </p:nvSpPr>
           <p:spPr>
             <a:xfrm>
-              <a:off x="4615219" y="1734309"/>
-              <a:ext cx="1239442" cy="276999"/>
+              <a:off x="1346937" y="3289419"/>
+              <a:ext cx="963725" cy="276999"/>
             </a:xfrm>
             <a:prstGeom prst="rect">
               <a:avLst/>
@@ -6257,27 +6267,34 @@
             <a:lstStyle/>
             <a:p>
               <a:r>
-                <a:rPr kumimoji="1" lang="en-US" altLang="zh-CN" sz="1200" dirty="0"/>
-                <a:t>Site</a:t>
-              </a:r>
-              <a:r>
-                <a:rPr kumimoji="1" lang="zh-CN" altLang="en-US" sz="1200" dirty="0"/>
-                <a:t> </a:t>
-              </a:r>
-              <a:r>
-                <a:rPr kumimoji="1" lang="en-US" altLang="zh-CN" sz="1200" dirty="0"/>
-                <a:t>model</a:t>
+                <a:rPr kumimoji="1" lang="en-US" altLang="zh-CN" sz="1200" dirty="0" smtClean="0"/>
+                <a:t>Edge</a:t>
               </a:r>
               <a:endParaRPr kumimoji="1" lang="zh-CN" altLang="en-US" sz="1200" dirty="0"/>
             </a:p>
           </p:txBody>
         </p:sp>
+      </p:grpSp>
+      <p:grpSp>
+        <p:nvGrpSpPr>
+          <p:cNvPr id="39" name="组合 38"/>
+          <p:cNvGrpSpPr/>
+          <p:nvPr/>
+        </p:nvGrpSpPr>
+        <p:grpSpPr>
+          <a:xfrm>
+            <a:off x="1024890" y="2613307"/>
+            <a:ext cx="1485900" cy="372940"/>
+            <a:chOff x="1024890" y="3210544"/>
+            <a:chExt cx="1485900" cy="372940"/>
+          </a:xfrm>
+        </p:grpSpPr>
         <p:sp>
           <p:nvSpPr>
-            <p:cNvPr id="10" name="矩形 9">
+            <p:cNvPr id="40" name="矩形 39">
               <a:extLst>
                 <a:ext uri="{FF2B5EF4-FFF2-40B4-BE49-F238E27FC236}">
-                  <a16:creationId xmlns:a16="http://schemas.microsoft.com/office/drawing/2014/main" id="{716B407F-D1AB-DB47-9D01-AA38953FC49B}"/>
+                  <a16:creationId xmlns:a16="http://schemas.microsoft.com/office/drawing/2014/main" id="{D2DC40B8-208F-864F-9CB0-4D4F278286AC}"/>
                 </a:ext>
               </a:extLst>
             </p:cNvPr>
@@ -6286,8 +6303,8 @@
           </p:nvSpPr>
           <p:spPr>
             <a:xfrm>
-              <a:off x="6536690" y="1674183"/>
-              <a:ext cx="2066591" cy="480060"/>
+              <a:off x="1024890" y="3210544"/>
+              <a:ext cx="1485900" cy="372940"/>
             </a:xfrm>
             <a:prstGeom prst="rect">
               <a:avLst/>
@@ -6331,10 +6348,10 @@
         </p:sp>
         <p:sp>
           <p:nvSpPr>
-            <p:cNvPr id="11" name="文本框 10">
+            <p:cNvPr id="41" name="文本框 40">
               <a:extLst>
                 <a:ext uri="{FF2B5EF4-FFF2-40B4-BE49-F238E27FC236}">
-                  <a16:creationId xmlns:a16="http://schemas.microsoft.com/office/drawing/2014/main" id="{23998073-C1AB-8146-83F9-751E5653E20E}"/>
+                  <a16:creationId xmlns:a16="http://schemas.microsoft.com/office/drawing/2014/main" id="{B86649D5-4C92-F54C-AEE6-FCD144A379FC}"/>
                 </a:ext>
               </a:extLst>
             </p:cNvPr>
@@ -6343,8 +6360,8 @@
           </p:nvSpPr>
           <p:spPr>
             <a:xfrm>
-              <a:off x="6623051" y="1734309"/>
-              <a:ext cx="1829252" cy="276999"/>
+              <a:off x="1346937" y="3289419"/>
+              <a:ext cx="963725" cy="276999"/>
             </a:xfrm>
             <a:prstGeom prst="rect">
               <a:avLst/>
@@ -6361,35 +6378,34 @@
             <a:lstStyle/>
             <a:p>
               <a:r>
-                <a:rPr kumimoji="1" lang="en-US" altLang="zh-CN" sz="1200" dirty="0"/>
-                <a:t>Basic</a:t>
-              </a:r>
-              <a:r>
-                <a:rPr kumimoji="1" lang="zh-CN" altLang="en-US" sz="1200" dirty="0"/>
-                <a:t> </a:t>
-              </a:r>
-              <a:r>
-                <a:rPr kumimoji="1" lang="en-US" altLang="zh-CN" sz="1200" dirty="0"/>
-                <a:t>device</a:t>
-              </a:r>
-              <a:r>
-                <a:rPr kumimoji="1" lang="zh-CN" altLang="en-US" sz="1200" dirty="0"/>
-                <a:t> </a:t>
-              </a:r>
-              <a:r>
-                <a:rPr kumimoji="1" lang="en-US" altLang="zh-CN" sz="1200" dirty="0"/>
-                <a:t>model</a:t>
+                <a:rPr kumimoji="1" lang="en-US" altLang="zh-CN" sz="1200" dirty="0" smtClean="0"/>
+                <a:t>Inverter</a:t>
               </a:r>
               <a:endParaRPr kumimoji="1" lang="zh-CN" altLang="en-US" sz="1200" dirty="0"/>
             </a:p>
           </p:txBody>
         </p:sp>
+      </p:grpSp>
+      <p:grpSp>
+        <p:nvGrpSpPr>
+          <p:cNvPr id="42" name="组合 41"/>
+          <p:cNvGrpSpPr/>
+          <p:nvPr/>
+        </p:nvGrpSpPr>
+        <p:grpSpPr>
+          <a:xfrm>
+            <a:off x="1024890" y="3826256"/>
+            <a:ext cx="1485900" cy="372940"/>
+            <a:chOff x="1024890" y="3210544"/>
+            <a:chExt cx="1485900" cy="372940"/>
+          </a:xfrm>
+        </p:grpSpPr>
         <p:sp>
           <p:nvSpPr>
-            <p:cNvPr id="12" name="矩形 11">
+            <p:cNvPr id="43" name="矩形 42">
               <a:extLst>
                 <a:ext uri="{FF2B5EF4-FFF2-40B4-BE49-F238E27FC236}">
-                  <a16:creationId xmlns:a16="http://schemas.microsoft.com/office/drawing/2014/main" id="{38641C28-3510-1F4E-8F71-E437BA2D994A}"/>
+                  <a16:creationId xmlns:a16="http://schemas.microsoft.com/office/drawing/2014/main" id="{D2DC40B8-208F-864F-9CB0-4D4F278286AC}"/>
                 </a:ext>
               </a:extLst>
             </p:cNvPr>
@@ -6398,8 +6414,8 @@
           </p:nvSpPr>
           <p:spPr>
             <a:xfrm>
-              <a:off x="8991600" y="642030"/>
-              <a:ext cx="2066591" cy="480060"/>
+              <a:off x="1024890" y="3210544"/>
+              <a:ext cx="1485900" cy="372940"/>
             </a:xfrm>
             <a:prstGeom prst="rect">
               <a:avLst/>
@@ -6443,10 +6459,10 @@
         </p:sp>
         <p:sp>
           <p:nvSpPr>
-            <p:cNvPr id="13" name="文本框 12">
+            <p:cNvPr id="44" name="文本框 43">
               <a:extLst>
                 <a:ext uri="{FF2B5EF4-FFF2-40B4-BE49-F238E27FC236}">
-                  <a16:creationId xmlns:a16="http://schemas.microsoft.com/office/drawing/2014/main" id="{3AF6CBEE-75B1-684B-A3C1-D8F55131FC5D}"/>
+                  <a16:creationId xmlns:a16="http://schemas.microsoft.com/office/drawing/2014/main" id="{B86649D5-4C92-F54C-AEE6-FCD144A379FC}"/>
                 </a:ext>
               </a:extLst>
             </p:cNvPr>
@@ -6455,8 +6471,8 @@
           </p:nvSpPr>
           <p:spPr>
             <a:xfrm>
-              <a:off x="9148929" y="697394"/>
-              <a:ext cx="2066591" cy="276999"/>
+              <a:off x="1346937" y="3289419"/>
+              <a:ext cx="963725" cy="276999"/>
             </a:xfrm>
             <a:prstGeom prst="rect">
               <a:avLst/>
@@ -6473,27 +6489,135 @@
             <a:lstStyle/>
             <a:p>
               <a:r>
-                <a:rPr kumimoji="1" lang="en-US" altLang="zh-CN" sz="1200" dirty="0"/>
-                <a:t>Device</a:t>
-              </a:r>
-              <a:r>
-                <a:rPr kumimoji="1" lang="zh-CN" altLang="en-US" sz="1200" dirty="0"/>
-                <a:t> </a:t>
-              </a:r>
-              <a:r>
-                <a:rPr kumimoji="1" lang="en-US" altLang="zh-CN" sz="1200" dirty="0"/>
-                <a:t>submodel</a:t>
+                <a:rPr kumimoji="1" lang="en-US" altLang="zh-CN" sz="1200" dirty="0" smtClean="0"/>
+                <a:t>Inverter</a:t>
               </a:r>
               <a:endParaRPr kumimoji="1" lang="zh-CN" altLang="en-US" sz="1200" dirty="0"/>
             </a:p>
           </p:txBody>
         </p:sp>
+      </p:grpSp>
+      <p:cxnSp>
+        <p:nvCxnSpPr>
+          <p:cNvPr id="46" name="肘形连接符 45">
+            <a:extLst>
+              <a:ext uri="{FF2B5EF4-FFF2-40B4-BE49-F238E27FC236}">
+                <a16:creationId xmlns:a16="http://schemas.microsoft.com/office/drawing/2014/main" id="{2BBEF383-89D1-9A47-AE64-4ADE63DE4661}"/>
+              </a:ext>
+            </a:extLst>
+          </p:cNvPr>
+          <p:cNvCxnSpPr>
+            <a:cxnSpLocks/>
+            <a:stCxn id="43" idx="3"/>
+            <a:endCxn id="35" idx="1"/>
+          </p:cNvCxnSpPr>
+          <p:nvPr/>
+        </p:nvCxnSpPr>
+        <p:spPr>
+          <a:xfrm flipV="1">
+            <a:off x="2510790" y="3388481"/>
+            <a:ext cx="874063" cy="624245"/>
+          </a:xfrm>
+          <a:prstGeom prst="bentConnector3">
+            <a:avLst>
+              <a:gd name="adj1" fmla="val 50000"/>
+            </a:avLst>
+          </a:prstGeom>
+          <a:solidFill>
+            <a:schemeClr val="bg1"/>
+          </a:solidFill>
+          <a:ln>
+            <a:solidFill>
+              <a:schemeClr val="tx1"/>
+            </a:solidFill>
+          </a:ln>
+        </p:spPr>
+        <p:style>
+          <a:lnRef idx="1">
+            <a:schemeClr val="accent1"/>
+          </a:lnRef>
+          <a:fillRef idx="0">
+            <a:schemeClr val="accent1"/>
+          </a:fillRef>
+          <a:effectRef idx="0">
+            <a:schemeClr val="accent1"/>
+          </a:effectRef>
+          <a:fontRef idx="minor">
+            <a:schemeClr val="tx1"/>
+          </a:fontRef>
+        </p:style>
+      </p:cxnSp>
+      <p:cxnSp>
+        <p:nvCxnSpPr>
+          <p:cNvPr id="48" name="肘形连接符 47">
+            <a:extLst>
+              <a:ext uri="{FF2B5EF4-FFF2-40B4-BE49-F238E27FC236}">
+                <a16:creationId xmlns:a16="http://schemas.microsoft.com/office/drawing/2014/main" id="{2BBEF383-89D1-9A47-AE64-4ADE63DE4661}"/>
+              </a:ext>
+            </a:extLst>
+          </p:cNvPr>
+          <p:cNvCxnSpPr>
+            <a:cxnSpLocks/>
+          </p:cNvCxnSpPr>
+          <p:nvPr/>
+        </p:nvCxnSpPr>
+        <p:spPr>
+          <a:xfrm>
+            <a:off x="2510790" y="3382131"/>
+            <a:ext cx="874063" cy="12700"/>
+          </a:xfrm>
+          <a:prstGeom prst="bentConnector3">
+            <a:avLst>
+              <a:gd name="adj1" fmla="val 50000"/>
+            </a:avLst>
+          </a:prstGeom>
+          <a:solidFill>
+            <a:schemeClr val="bg1"/>
+          </a:solidFill>
+          <a:ln>
+            <a:solidFill>
+              <a:schemeClr val="tx1"/>
+            </a:solidFill>
+          </a:ln>
+        </p:spPr>
+        <p:style>
+          <a:lnRef idx="1">
+            <a:schemeClr val="accent1"/>
+          </a:lnRef>
+          <a:fillRef idx="0">
+            <a:schemeClr val="accent1"/>
+          </a:fillRef>
+          <a:effectRef idx="0">
+            <a:schemeClr val="accent1"/>
+          </a:effectRef>
+          <a:fontRef idx="minor">
+            <a:schemeClr val="tx1"/>
+          </a:fontRef>
+        </p:style>
+      </p:cxnSp>
+      <p:grpSp>
+        <p:nvGrpSpPr>
+          <p:cNvPr id="59" name="组合 58"/>
+          <p:cNvGrpSpPr/>
+          <p:nvPr/>
+        </p:nvGrpSpPr>
+        <p:grpSpPr>
+          <a:xfrm>
+            <a:off x="5744816" y="3208724"/>
+            <a:ext cx="1485900" cy="372940"/>
+            <a:chOff x="1024890" y="3210544"/>
+            <a:chExt cx="1485900" cy="372940"/>
+          </a:xfrm>
+          <a:solidFill>
+            <a:srgbClr val="BDD7EE"/>
+          </a:solidFill>
+        </p:grpSpPr>
         <p:sp>
           <p:nvSpPr>
-            <p:cNvPr id="14" name="矩形 13">
+            <p:cNvPr id="60" name="矩形 59">
               <a:extLst>
                 <a:ext uri="{FF2B5EF4-FFF2-40B4-BE49-F238E27FC236}">
-                  <a16:creationId xmlns:a16="http://schemas.microsoft.com/office/drawing/2014/main" id="{5A85E1A3-2450-E442-8E2B-06C0730F762A}"/>
+                  <a16:creationId xmlns:a16="http://schemas.microsoft.com/office/drawing/2014/main" id="{D2DC40B8-208F-864F-9CB0-4D4F278286AC}"/>
                 </a:ext>
               </a:extLst>
             </p:cNvPr>
@@ -6502,8 +6626,237 @@
           </p:nvSpPr>
           <p:spPr>
             <a:xfrm>
-              <a:off x="8991600" y="1674183"/>
-              <a:ext cx="2066591" cy="480060"/>
+              <a:off x="1024890" y="3210544"/>
+              <a:ext cx="1485900" cy="372940"/>
+            </a:xfrm>
+            <a:prstGeom prst="rect">
+              <a:avLst/>
+            </a:prstGeom>
+            <a:grpFill/>
+            <a:ln>
+              <a:solidFill>
+                <a:schemeClr val="tx1"/>
+              </a:solidFill>
+            </a:ln>
+          </p:spPr>
+          <p:style>
+            <a:lnRef idx="2">
+              <a:schemeClr val="accent1">
+                <a:shade val="50000"/>
+              </a:schemeClr>
+            </a:lnRef>
+            <a:fillRef idx="1">
+              <a:schemeClr val="accent1"/>
+            </a:fillRef>
+            <a:effectRef idx="0">
+              <a:schemeClr val="accent1"/>
+            </a:effectRef>
+            <a:fontRef idx="minor">
+              <a:schemeClr val="lt1"/>
+            </a:fontRef>
+          </p:style>
+          <p:txBody>
+            <a:bodyPr rtlCol="0" anchor="ctr"/>
+            <a:lstStyle/>
+            <a:p>
+              <a:endParaRPr kumimoji="1" lang="zh-CN" altLang="en-US" sz="1200">
+                <a:solidFill>
+                  <a:schemeClr val="tx1"/>
+                </a:solidFill>
+              </a:endParaRPr>
+            </a:p>
+          </p:txBody>
+        </p:sp>
+        <p:sp>
+          <p:nvSpPr>
+            <p:cNvPr id="61" name="文本框 60">
+              <a:extLst>
+                <a:ext uri="{FF2B5EF4-FFF2-40B4-BE49-F238E27FC236}">
+                  <a16:creationId xmlns:a16="http://schemas.microsoft.com/office/drawing/2014/main" id="{B86649D5-4C92-F54C-AEE6-FCD144A379FC}"/>
+                </a:ext>
+              </a:extLst>
+            </p:cNvPr>
+            <p:cNvSpPr txBox="1"/>
+            <p:nvPr/>
+          </p:nvSpPr>
+          <p:spPr>
+            <a:xfrm>
+              <a:off x="1119171" y="3289419"/>
+              <a:ext cx="1391618" cy="276999"/>
+            </a:xfrm>
+            <a:prstGeom prst="rect">
+              <a:avLst/>
+            </a:prstGeom>
+            <a:grpFill/>
+            <a:ln>
+              <a:noFill/>
+            </a:ln>
+          </p:spPr>
+          <p:txBody>
+            <a:bodyPr wrap="square" rtlCol="0">
+              <a:spAutoFit/>
+            </a:bodyPr>
+            <a:lstStyle/>
+            <a:p>
+              <a:r>
+                <a:rPr kumimoji="1" lang="en-US" altLang="zh-CN" sz="1200" dirty="0" smtClean="0"/>
+                <a:t>EnOS IoT Hub</a:t>
+              </a:r>
+              <a:endParaRPr kumimoji="1" lang="zh-CN" altLang="en-US" sz="1200" dirty="0"/>
+            </a:p>
+          </p:txBody>
+        </p:sp>
+      </p:grpSp>
+      <p:cxnSp>
+        <p:nvCxnSpPr>
+          <p:cNvPr id="64" name="直接连接符 63"/>
+          <p:cNvCxnSpPr>
+            <a:stCxn id="35" idx="3"/>
+            <a:endCxn id="60" idx="1"/>
+          </p:cNvCxnSpPr>
+          <p:nvPr/>
+        </p:nvCxnSpPr>
+        <p:spPr>
+          <a:xfrm>
+            <a:off x="4870753" y="3388481"/>
+            <a:ext cx="874063" cy="6713"/>
+          </a:xfrm>
+          <a:prstGeom prst="line">
+            <a:avLst/>
+          </a:prstGeom>
+        </p:spPr>
+        <p:style>
+          <a:lnRef idx="1">
+            <a:schemeClr val="dk1"/>
+          </a:lnRef>
+          <a:fillRef idx="0">
+            <a:schemeClr val="dk1"/>
+          </a:fillRef>
+          <a:effectRef idx="0">
+            <a:schemeClr val="dk1"/>
+          </a:effectRef>
+          <a:fontRef idx="minor">
+            <a:schemeClr val="tx1"/>
+          </a:fontRef>
+        </p:style>
+      </p:cxnSp>
+    </p:spTree>
+    <p:extLst>
+      <p:ext uri="{BB962C8B-B14F-4D97-AF65-F5344CB8AC3E}">
+        <p14:creationId xmlns:p14="http://schemas.microsoft.com/office/powerpoint/2010/main" val="2394260344"/>
+      </p:ext>
+    </p:extLst>
+  </p:cSld>
+  <p:clrMapOvr>
+    <a:masterClrMapping/>
+  </p:clrMapOvr>
+  <p:timing>
+    <p:tnLst>
+      <p:par>
+        <p:cTn id="1" dur="indefinite" restart="never" nodeType="tmRoot"/>
+      </p:par>
+    </p:tnLst>
+  </p:timing>
+</p:sld>
+</file>
+
+<file path=ppt/slides/slide3.xml><?xml version="1.0" encoding="utf-8"?>
+<p:sld xmlns:a="http://schemas.openxmlformats.org/drawingml/2006/main" xmlns:r="http://schemas.openxmlformats.org/officeDocument/2006/relationships" xmlns:p="http://schemas.openxmlformats.org/presentationml/2006/main">
+  <p:cSld>
+    <p:spTree>
+      <p:nvGrpSpPr>
+        <p:cNvPr id="1" name=""/>
+        <p:cNvGrpSpPr/>
+        <p:nvPr/>
+      </p:nvGrpSpPr>
+      <p:grpSpPr>
+        <a:xfrm>
+          <a:off x="0" y="0"/>
+          <a:ext cx="0" cy="0"/>
+          <a:chOff x="0" y="0"/>
+          <a:chExt cx="0" cy="0"/>
+        </a:xfrm>
+      </p:grpSpPr>
+      <p:cxnSp>
+        <p:nvCxnSpPr>
+          <p:cNvPr id="26" name="肘形连接符 25">
+            <a:extLst>
+              <a:ext uri="{FF2B5EF4-FFF2-40B4-BE49-F238E27FC236}">
+                <a16:creationId xmlns:a16="http://schemas.microsoft.com/office/drawing/2014/main" id="{2BBEF383-89D1-9A47-AE64-4ADE63DE4661}"/>
+              </a:ext>
+            </a:extLst>
+          </p:cNvPr>
+          <p:cNvCxnSpPr>
+            <a:cxnSpLocks/>
+            <a:stCxn id="40" idx="3"/>
+            <a:endCxn id="35" idx="1"/>
+          </p:cNvCxnSpPr>
+          <p:nvPr/>
+        </p:nvCxnSpPr>
+        <p:spPr>
+          <a:xfrm>
+            <a:off x="2510790" y="3806540"/>
+            <a:ext cx="874063" cy="621355"/>
+          </a:xfrm>
+          <a:prstGeom prst="bentConnector3">
+            <a:avLst>
+              <a:gd name="adj1" fmla="val 50000"/>
+            </a:avLst>
+          </a:prstGeom>
+          <a:solidFill>
+            <a:schemeClr val="bg1"/>
+          </a:solidFill>
+          <a:ln>
+            <a:solidFill>
+              <a:schemeClr val="tx1"/>
+            </a:solidFill>
+          </a:ln>
+        </p:spPr>
+        <p:style>
+          <a:lnRef idx="1">
+            <a:schemeClr val="accent1"/>
+          </a:lnRef>
+          <a:fillRef idx="0">
+            <a:schemeClr val="accent1"/>
+          </a:fillRef>
+          <a:effectRef idx="0">
+            <a:schemeClr val="accent1"/>
+          </a:effectRef>
+          <a:fontRef idx="minor">
+            <a:schemeClr val="tx1"/>
+          </a:fontRef>
+        </p:style>
+      </p:cxnSp>
+      <p:grpSp>
+        <p:nvGrpSpPr>
+          <p:cNvPr id="34" name="组合 33"/>
+          <p:cNvGrpSpPr/>
+          <p:nvPr/>
+        </p:nvGrpSpPr>
+        <p:grpSpPr>
+          <a:xfrm>
+            <a:off x="3384853" y="4241425"/>
+            <a:ext cx="1485900" cy="372940"/>
+            <a:chOff x="1024890" y="3210544"/>
+            <a:chExt cx="1485900" cy="372940"/>
+          </a:xfrm>
+        </p:grpSpPr>
+        <p:sp>
+          <p:nvSpPr>
+            <p:cNvPr id="35" name="矩形 34">
+              <a:extLst>
+                <a:ext uri="{FF2B5EF4-FFF2-40B4-BE49-F238E27FC236}">
+                  <a16:creationId xmlns:a16="http://schemas.microsoft.com/office/drawing/2014/main" id="{D2DC40B8-208F-864F-9CB0-4D4F278286AC}"/>
+                </a:ext>
+              </a:extLst>
+            </p:cNvPr>
+            <p:cNvSpPr/>
+            <p:nvPr/>
+          </p:nvSpPr>
+          <p:spPr>
+            <a:xfrm>
+              <a:off x="1024890" y="3210544"/>
+              <a:ext cx="1485900" cy="372940"/>
             </a:xfrm>
             <a:prstGeom prst="rect">
               <a:avLst/>
@@ -6547,10 +6900,10 @@
         </p:sp>
         <p:sp>
           <p:nvSpPr>
-            <p:cNvPr id="15" name="文本框 14">
+            <p:cNvPr id="37" name="文本框 36">
               <a:extLst>
                 <a:ext uri="{FF2B5EF4-FFF2-40B4-BE49-F238E27FC236}">
-                  <a16:creationId xmlns:a16="http://schemas.microsoft.com/office/drawing/2014/main" id="{7BE64B12-F2AE-2646-9528-6379B610FC6C}"/>
+                  <a16:creationId xmlns:a16="http://schemas.microsoft.com/office/drawing/2014/main" id="{B86649D5-4C92-F54C-AEE6-FCD144A379FC}"/>
                 </a:ext>
               </a:extLst>
             </p:cNvPr>
@@ -6559,8 +6912,8 @@
           </p:nvSpPr>
           <p:spPr>
             <a:xfrm>
-              <a:off x="9148929" y="1729547"/>
-              <a:ext cx="2066591" cy="276999"/>
+              <a:off x="1346937" y="3289419"/>
+              <a:ext cx="963725" cy="276999"/>
             </a:xfrm>
             <a:prstGeom prst="rect">
               <a:avLst/>
@@ -6577,27 +6930,34 @@
             <a:lstStyle/>
             <a:p>
               <a:r>
-                <a:rPr kumimoji="1" lang="en-US" altLang="zh-CN" sz="1200" dirty="0"/>
-                <a:t>Device</a:t>
-              </a:r>
-              <a:r>
-                <a:rPr kumimoji="1" lang="zh-CN" altLang="en-US" sz="1200" dirty="0"/>
-                <a:t> </a:t>
-              </a:r>
-              <a:r>
-                <a:rPr kumimoji="1" lang="en-US" altLang="zh-CN" sz="1200" dirty="0"/>
-                <a:t>submodel</a:t>
+                <a:rPr kumimoji="1" lang="en-US" altLang="zh-CN" sz="1200" dirty="0" smtClean="0"/>
+                <a:t>SCADA</a:t>
               </a:r>
               <a:endParaRPr kumimoji="1" lang="zh-CN" altLang="en-US" sz="1200" dirty="0"/>
             </a:p>
           </p:txBody>
         </p:sp>
+      </p:grpSp>
+      <p:grpSp>
+        <p:nvGrpSpPr>
+          <p:cNvPr id="39" name="组合 38"/>
+          <p:cNvGrpSpPr/>
+          <p:nvPr/>
+        </p:nvGrpSpPr>
+        <p:grpSpPr>
+          <a:xfrm>
+            <a:off x="1024890" y="3620070"/>
+            <a:ext cx="1485900" cy="372940"/>
+            <a:chOff x="1024890" y="3210544"/>
+            <a:chExt cx="1485900" cy="372940"/>
+          </a:xfrm>
+        </p:grpSpPr>
         <p:sp>
           <p:nvSpPr>
-            <p:cNvPr id="16" name="矩形 15">
+            <p:cNvPr id="40" name="矩形 39">
               <a:extLst>
                 <a:ext uri="{FF2B5EF4-FFF2-40B4-BE49-F238E27FC236}">
-                  <a16:creationId xmlns:a16="http://schemas.microsoft.com/office/drawing/2014/main" id="{E91B352A-A326-0E4A-98E1-24F398E10EA5}"/>
+                  <a16:creationId xmlns:a16="http://schemas.microsoft.com/office/drawing/2014/main" id="{D2DC40B8-208F-864F-9CB0-4D4F278286AC}"/>
                 </a:ext>
               </a:extLst>
             </p:cNvPr>
@@ -6606,8 +6966,8 @@
           </p:nvSpPr>
           <p:spPr>
             <a:xfrm>
-              <a:off x="8991600" y="2648233"/>
-              <a:ext cx="2066591" cy="480060"/>
+              <a:off x="1024890" y="3210544"/>
+              <a:ext cx="1485900" cy="372940"/>
             </a:xfrm>
             <a:prstGeom prst="rect">
               <a:avLst/>
@@ -6651,10 +7011,10 @@
         </p:sp>
         <p:sp>
           <p:nvSpPr>
-            <p:cNvPr id="17" name="文本框 16">
+            <p:cNvPr id="41" name="文本框 40">
               <a:extLst>
                 <a:ext uri="{FF2B5EF4-FFF2-40B4-BE49-F238E27FC236}">
-                  <a16:creationId xmlns:a16="http://schemas.microsoft.com/office/drawing/2014/main" id="{345D73D9-E093-8A43-88CE-46F602CA34AA}"/>
+                  <a16:creationId xmlns:a16="http://schemas.microsoft.com/office/drawing/2014/main" id="{B86649D5-4C92-F54C-AEE6-FCD144A379FC}"/>
                 </a:ext>
               </a:extLst>
             </p:cNvPr>
@@ -6663,8 +7023,8 @@
           </p:nvSpPr>
           <p:spPr>
             <a:xfrm>
-              <a:off x="9148929" y="2703597"/>
-              <a:ext cx="2066591" cy="276999"/>
+              <a:off x="1136073" y="3289419"/>
+              <a:ext cx="1174589" cy="276999"/>
             </a:xfrm>
             <a:prstGeom prst="rect">
               <a:avLst/>
@@ -6681,27 +7041,134 @@
             <a:lstStyle/>
             <a:p>
               <a:r>
-                <a:rPr kumimoji="1" lang="en-US" altLang="zh-CN" sz="1200" dirty="0"/>
-                <a:t>Device</a:t>
-              </a:r>
-              <a:r>
-                <a:rPr kumimoji="1" lang="zh-CN" altLang="en-US" sz="1200" dirty="0"/>
-                <a:t> </a:t>
-              </a:r>
-              <a:r>
-                <a:rPr kumimoji="1" lang="en-US" altLang="zh-CN" sz="1200" dirty="0"/>
-                <a:t>submodel</a:t>
+                <a:rPr kumimoji="1" lang="en-US" altLang="zh-CN" sz="1200" dirty="0" smtClean="0"/>
+                <a:t>Wind Turbine</a:t>
               </a:r>
               <a:endParaRPr kumimoji="1" lang="zh-CN" altLang="en-US" sz="1200" dirty="0"/>
             </a:p>
           </p:txBody>
         </p:sp>
+      </p:grpSp>
+      <p:cxnSp>
+        <p:nvCxnSpPr>
+          <p:cNvPr id="46" name="肘形连接符 45">
+            <a:extLst>
+              <a:ext uri="{FF2B5EF4-FFF2-40B4-BE49-F238E27FC236}">
+                <a16:creationId xmlns:a16="http://schemas.microsoft.com/office/drawing/2014/main" id="{2BBEF383-89D1-9A47-AE64-4ADE63DE4661}"/>
+              </a:ext>
+            </a:extLst>
+          </p:cNvPr>
+          <p:cNvCxnSpPr>
+            <a:cxnSpLocks/>
+            <a:stCxn id="21" idx="3"/>
+            <a:endCxn id="35" idx="1"/>
+          </p:cNvCxnSpPr>
+          <p:nvPr/>
+        </p:nvCxnSpPr>
+        <p:spPr>
+          <a:xfrm flipV="1">
+            <a:off x="2510790" y="4427895"/>
+            <a:ext cx="874063" cy="591594"/>
+          </a:xfrm>
+          <a:prstGeom prst="bentConnector3">
+            <a:avLst>
+              <a:gd name="adj1" fmla="val 50000"/>
+            </a:avLst>
+          </a:prstGeom>
+          <a:solidFill>
+            <a:schemeClr val="bg1"/>
+          </a:solidFill>
+          <a:ln>
+            <a:solidFill>
+              <a:schemeClr val="tx1"/>
+            </a:solidFill>
+          </a:ln>
+        </p:spPr>
+        <p:style>
+          <a:lnRef idx="1">
+            <a:schemeClr val="accent1"/>
+          </a:lnRef>
+          <a:fillRef idx="0">
+            <a:schemeClr val="accent1"/>
+          </a:fillRef>
+          <a:effectRef idx="0">
+            <a:schemeClr val="accent1"/>
+          </a:effectRef>
+          <a:fontRef idx="minor">
+            <a:schemeClr val="tx1"/>
+          </a:fontRef>
+        </p:style>
+      </p:cxnSp>
+      <p:cxnSp>
+        <p:nvCxnSpPr>
+          <p:cNvPr id="48" name="肘形连接符 47">
+            <a:extLst>
+              <a:ext uri="{FF2B5EF4-FFF2-40B4-BE49-F238E27FC236}">
+                <a16:creationId xmlns:a16="http://schemas.microsoft.com/office/drawing/2014/main" id="{2BBEF383-89D1-9A47-AE64-4ADE63DE4661}"/>
+              </a:ext>
+            </a:extLst>
+          </p:cNvPr>
+          <p:cNvCxnSpPr>
+            <a:cxnSpLocks/>
+            <a:stCxn id="18" idx="3"/>
+            <a:endCxn id="35" idx="1"/>
+          </p:cNvCxnSpPr>
+          <p:nvPr/>
+        </p:nvCxnSpPr>
+        <p:spPr>
+          <a:xfrm flipV="1">
+            <a:off x="2510790" y="4427895"/>
+            <a:ext cx="874063" cy="3196"/>
+          </a:xfrm>
+          <a:prstGeom prst="bentConnector3">
+            <a:avLst>
+              <a:gd name="adj1" fmla="val 50000"/>
+            </a:avLst>
+          </a:prstGeom>
+          <a:solidFill>
+            <a:schemeClr val="bg1"/>
+          </a:solidFill>
+          <a:ln>
+            <a:solidFill>
+              <a:schemeClr val="tx1"/>
+            </a:solidFill>
+          </a:ln>
+        </p:spPr>
+        <p:style>
+          <a:lnRef idx="1">
+            <a:schemeClr val="accent1"/>
+          </a:lnRef>
+          <a:fillRef idx="0">
+            <a:schemeClr val="accent1"/>
+          </a:fillRef>
+          <a:effectRef idx="0">
+            <a:schemeClr val="accent1"/>
+          </a:effectRef>
+          <a:fontRef idx="minor">
+            <a:schemeClr val="tx1"/>
+          </a:fontRef>
+        </p:style>
+      </p:cxnSp>
+      <p:grpSp>
+        <p:nvGrpSpPr>
+          <p:cNvPr id="17" name="组合 16"/>
+          <p:cNvGrpSpPr/>
+          <p:nvPr/>
+        </p:nvGrpSpPr>
+        <p:grpSpPr>
+          <a:xfrm>
+            <a:off x="1024890" y="4244621"/>
+            <a:ext cx="1485900" cy="372940"/>
+            <a:chOff x="1024890" y="3210544"/>
+            <a:chExt cx="1485900" cy="372940"/>
+          </a:xfrm>
+        </p:grpSpPr>
         <p:sp>
           <p:nvSpPr>
             <p:cNvPr id="18" name="矩形 17">
               <a:extLst>
                 <a:ext uri="{FF2B5EF4-FFF2-40B4-BE49-F238E27FC236}">
-                  <a16:creationId xmlns:a16="http://schemas.microsoft.com/office/drawing/2014/main" id="{8B867E30-A590-F34C-ACDF-D279B00DC42B}"/>
+                  <a16:creationId xmlns:a16="http://schemas.microsoft.com/office/drawing/2014/main" id="{D2DC40B8-208F-864F-9CB0-4D4F278286AC}"/>
                 </a:ext>
               </a:extLst>
             </p:cNvPr>
@@ -6710,8 +7177,8 @@
           </p:nvSpPr>
           <p:spPr>
             <a:xfrm>
-              <a:off x="8991600" y="3432855"/>
-              <a:ext cx="2066591" cy="480060"/>
+              <a:off x="1024890" y="3210544"/>
+              <a:ext cx="1485900" cy="372940"/>
             </a:xfrm>
             <a:prstGeom prst="rect">
               <a:avLst/>
@@ -6758,7 +7225,7 @@
             <p:cNvPr id="19" name="文本框 18">
               <a:extLst>
                 <a:ext uri="{FF2B5EF4-FFF2-40B4-BE49-F238E27FC236}">
-                  <a16:creationId xmlns:a16="http://schemas.microsoft.com/office/drawing/2014/main" id="{D9C0276A-EA51-BA42-8C1F-AA36032884F4}"/>
+                  <a16:creationId xmlns:a16="http://schemas.microsoft.com/office/drawing/2014/main" id="{B86649D5-4C92-F54C-AEE6-FCD144A379FC}"/>
                 </a:ext>
               </a:extLst>
             </p:cNvPr>
@@ -6767,8 +7234,8 @@
           </p:nvSpPr>
           <p:spPr>
             <a:xfrm>
-              <a:off x="9148929" y="3488219"/>
-              <a:ext cx="2066591" cy="276999"/>
+              <a:off x="1136073" y="3289419"/>
+              <a:ext cx="1174589" cy="276999"/>
             </a:xfrm>
             <a:prstGeom prst="rect">
               <a:avLst/>
@@ -6785,27 +7252,34 @@
             <a:lstStyle/>
             <a:p>
               <a:r>
-                <a:rPr kumimoji="1" lang="en-US" altLang="zh-CN" sz="1200" dirty="0"/>
-                <a:t>Device</a:t>
-              </a:r>
-              <a:r>
-                <a:rPr kumimoji="1" lang="zh-CN" altLang="en-US" sz="1200" dirty="0"/>
-                <a:t> </a:t>
-              </a:r>
-              <a:r>
-                <a:rPr kumimoji="1" lang="en-US" altLang="zh-CN" sz="1200" dirty="0"/>
-                <a:t>submodel</a:t>
+                <a:rPr kumimoji="1" lang="en-US" altLang="zh-CN" sz="1200" dirty="0" smtClean="0"/>
+                <a:t>Wind Turbine</a:t>
               </a:r>
               <a:endParaRPr kumimoji="1" lang="zh-CN" altLang="en-US" sz="1200" dirty="0"/>
             </a:p>
           </p:txBody>
         </p:sp>
+      </p:grpSp>
+      <p:grpSp>
+        <p:nvGrpSpPr>
+          <p:cNvPr id="20" name="组合 19"/>
+          <p:cNvGrpSpPr/>
+          <p:nvPr/>
+        </p:nvGrpSpPr>
+        <p:grpSpPr>
+          <a:xfrm>
+            <a:off x="1024890" y="4833019"/>
+            <a:ext cx="1485900" cy="372940"/>
+            <a:chOff x="1024890" y="3210544"/>
+            <a:chExt cx="1485900" cy="372940"/>
+          </a:xfrm>
+        </p:grpSpPr>
         <p:sp>
           <p:nvSpPr>
-            <p:cNvPr id="20" name="矩形 19">
+            <p:cNvPr id="21" name="矩形 20">
               <a:extLst>
                 <a:ext uri="{FF2B5EF4-FFF2-40B4-BE49-F238E27FC236}">
-                  <a16:creationId xmlns:a16="http://schemas.microsoft.com/office/drawing/2014/main" id="{A15D47D8-A78B-1045-8FA6-4C9283B3EB93}"/>
+                  <a16:creationId xmlns:a16="http://schemas.microsoft.com/office/drawing/2014/main" id="{D2DC40B8-208F-864F-9CB0-4D4F278286AC}"/>
                 </a:ext>
               </a:extLst>
             </p:cNvPr>
@@ -6814,8 +7288,8 @@
           </p:nvSpPr>
           <p:spPr>
             <a:xfrm>
-              <a:off x="8988212" y="4462269"/>
-              <a:ext cx="2066591" cy="480060"/>
+              <a:off x="1024890" y="3210544"/>
+              <a:ext cx="1485900" cy="372940"/>
             </a:xfrm>
             <a:prstGeom prst="rect">
               <a:avLst/>
@@ -6859,10 +7333,10 @@
         </p:sp>
         <p:sp>
           <p:nvSpPr>
-            <p:cNvPr id="21" name="文本框 20">
+            <p:cNvPr id="22" name="文本框 21">
               <a:extLst>
                 <a:ext uri="{FF2B5EF4-FFF2-40B4-BE49-F238E27FC236}">
-                  <a16:creationId xmlns:a16="http://schemas.microsoft.com/office/drawing/2014/main" id="{BB772A4C-E980-3541-B53A-3244785B5342}"/>
+                  <a16:creationId xmlns:a16="http://schemas.microsoft.com/office/drawing/2014/main" id="{B86649D5-4C92-F54C-AEE6-FCD144A379FC}"/>
                 </a:ext>
               </a:extLst>
             </p:cNvPr>
@@ -6871,8 +7345,8 @@
           </p:nvSpPr>
           <p:spPr>
             <a:xfrm>
-              <a:off x="9145541" y="4517633"/>
-              <a:ext cx="2066591" cy="276999"/>
+              <a:off x="1136073" y="3289419"/>
+              <a:ext cx="1174589" cy="276999"/>
             </a:xfrm>
             <a:prstGeom prst="rect">
               <a:avLst/>
@@ -6889,27 +7363,84 @@
             <a:lstStyle/>
             <a:p>
               <a:r>
-                <a:rPr kumimoji="1" lang="en-US" altLang="zh-CN" sz="1200" dirty="0"/>
-                <a:t>Device</a:t>
-              </a:r>
-              <a:r>
-                <a:rPr kumimoji="1" lang="zh-CN" altLang="en-US" sz="1200" dirty="0"/>
-                <a:t> </a:t>
-              </a:r>
-              <a:r>
-                <a:rPr kumimoji="1" lang="en-US" altLang="zh-CN" sz="1200" dirty="0"/>
-                <a:t>submodel</a:t>
+                <a:rPr kumimoji="1" lang="en-US" altLang="zh-CN" sz="1200" dirty="0" smtClean="0"/>
+                <a:t>Wind Turbine</a:t>
               </a:r>
               <a:endParaRPr kumimoji="1" lang="zh-CN" altLang="en-US" sz="1200" dirty="0"/>
             </a:p>
           </p:txBody>
         </p:sp>
+      </p:grpSp>
+      <p:cxnSp>
+        <p:nvCxnSpPr>
+          <p:cNvPr id="53" name="肘形连接符 52">
+            <a:extLst>
+              <a:ext uri="{FF2B5EF4-FFF2-40B4-BE49-F238E27FC236}">
+                <a16:creationId xmlns:a16="http://schemas.microsoft.com/office/drawing/2014/main" id="{2BBEF383-89D1-9A47-AE64-4ADE63DE4661}"/>
+              </a:ext>
+            </a:extLst>
+          </p:cNvPr>
+          <p:cNvCxnSpPr>
+            <a:cxnSpLocks/>
+            <a:stCxn id="58" idx="3"/>
+            <a:endCxn id="55" idx="1"/>
+          </p:cNvCxnSpPr>
+          <p:nvPr/>
+        </p:nvCxnSpPr>
+        <p:spPr>
+          <a:xfrm>
+            <a:off x="2515409" y="1779156"/>
+            <a:ext cx="874063" cy="621355"/>
+          </a:xfrm>
+          <a:prstGeom prst="bentConnector3">
+            <a:avLst>
+              <a:gd name="adj1" fmla="val 50000"/>
+            </a:avLst>
+          </a:prstGeom>
+          <a:solidFill>
+            <a:schemeClr val="bg1"/>
+          </a:solidFill>
+          <a:ln>
+            <a:solidFill>
+              <a:schemeClr val="tx1"/>
+            </a:solidFill>
+          </a:ln>
+        </p:spPr>
+        <p:style>
+          <a:lnRef idx="1">
+            <a:schemeClr val="accent1"/>
+          </a:lnRef>
+          <a:fillRef idx="0">
+            <a:schemeClr val="accent1"/>
+          </a:fillRef>
+          <a:effectRef idx="0">
+            <a:schemeClr val="accent1"/>
+          </a:effectRef>
+          <a:fontRef idx="minor">
+            <a:schemeClr val="tx1"/>
+          </a:fontRef>
+        </p:style>
+      </p:cxnSp>
+      <p:grpSp>
+        <p:nvGrpSpPr>
+          <p:cNvPr id="54" name="组合 53"/>
+          <p:cNvGrpSpPr/>
+          <p:nvPr/>
+        </p:nvGrpSpPr>
+        <p:grpSpPr>
+          <a:xfrm>
+            <a:off x="3389472" y="2214041"/>
+            <a:ext cx="1485900" cy="372940"/>
+            <a:chOff x="1024890" y="3210544"/>
+            <a:chExt cx="1485900" cy="372940"/>
+          </a:xfrm>
+        </p:grpSpPr>
         <p:sp>
           <p:nvSpPr>
-            <p:cNvPr id="22" name="矩形 21">
+            <p:cNvPr id="55" name="矩形 54">
               <a:extLst>
                 <a:ext uri="{FF2B5EF4-FFF2-40B4-BE49-F238E27FC236}">
-                  <a16:creationId xmlns:a16="http://schemas.microsoft.com/office/drawing/2014/main" id="{079B9CC0-461A-9B4C-81B4-875C6E584E9F}"/>
+                  <a16:creationId xmlns:a16="http://schemas.microsoft.com/office/drawing/2014/main" id="{D2DC40B8-208F-864F-9CB0-4D4F278286AC}"/>
                 </a:ext>
               </a:extLst>
             </p:cNvPr>
@@ -6918,8 +7449,8 @@
           </p:nvSpPr>
           <p:spPr>
             <a:xfrm>
-              <a:off x="8988212" y="5496858"/>
-              <a:ext cx="2066591" cy="480060"/>
+              <a:off x="1024890" y="3210544"/>
+              <a:ext cx="1485900" cy="372940"/>
             </a:xfrm>
             <a:prstGeom prst="rect">
               <a:avLst/>
@@ -6963,10 +7494,10 @@
         </p:sp>
         <p:sp>
           <p:nvSpPr>
-            <p:cNvPr id="23" name="文本框 22">
+            <p:cNvPr id="56" name="文本框 55">
               <a:extLst>
                 <a:ext uri="{FF2B5EF4-FFF2-40B4-BE49-F238E27FC236}">
-                  <a16:creationId xmlns:a16="http://schemas.microsoft.com/office/drawing/2014/main" id="{EC14C494-3571-C14E-BCFD-C7ED95C8EF87}"/>
+                  <a16:creationId xmlns:a16="http://schemas.microsoft.com/office/drawing/2014/main" id="{B86649D5-4C92-F54C-AEE6-FCD144A379FC}"/>
                 </a:ext>
               </a:extLst>
             </p:cNvPr>
@@ -6975,8 +7506,8 @@
           </p:nvSpPr>
           <p:spPr>
             <a:xfrm>
-              <a:off x="9145541" y="5552222"/>
-              <a:ext cx="2066591" cy="276999"/>
+              <a:off x="1346937" y="3289419"/>
+              <a:ext cx="963725" cy="276999"/>
             </a:xfrm>
             <a:prstGeom prst="rect">
               <a:avLst/>
@@ -6993,27 +7524,34 @@
             <a:lstStyle/>
             <a:p>
               <a:r>
-                <a:rPr kumimoji="1" lang="en-US" altLang="zh-CN" sz="1200" dirty="0"/>
-                <a:t>Device</a:t>
-              </a:r>
-              <a:r>
-                <a:rPr kumimoji="1" lang="zh-CN" altLang="en-US" sz="1200" dirty="0"/>
-                <a:t> </a:t>
-              </a:r>
-              <a:r>
-                <a:rPr kumimoji="1" lang="en-US" altLang="zh-CN" sz="1200" dirty="0"/>
-                <a:t>submodel</a:t>
+                <a:rPr kumimoji="1" lang="en-US" altLang="zh-CN" sz="1200" dirty="0" smtClean="0"/>
+                <a:t>SCADA</a:t>
               </a:r>
               <a:endParaRPr kumimoji="1" lang="zh-CN" altLang="en-US" sz="1200" dirty="0"/>
             </a:p>
           </p:txBody>
         </p:sp>
+      </p:grpSp>
+      <p:grpSp>
+        <p:nvGrpSpPr>
+          <p:cNvPr id="57" name="组合 56"/>
+          <p:cNvGrpSpPr/>
+          <p:nvPr/>
+        </p:nvGrpSpPr>
+        <p:grpSpPr>
+          <a:xfrm>
+            <a:off x="1029509" y="1592686"/>
+            <a:ext cx="1485900" cy="372940"/>
+            <a:chOff x="1024890" y="3210544"/>
+            <a:chExt cx="1485900" cy="372940"/>
+          </a:xfrm>
+        </p:grpSpPr>
         <p:sp>
           <p:nvSpPr>
-            <p:cNvPr id="24" name="矩形 23">
+            <p:cNvPr id="58" name="矩形 57">
               <a:extLst>
                 <a:ext uri="{FF2B5EF4-FFF2-40B4-BE49-F238E27FC236}">
-                  <a16:creationId xmlns:a16="http://schemas.microsoft.com/office/drawing/2014/main" id="{4652E45C-D125-2648-ADB4-EF0DA16E87D7}"/>
+                  <a16:creationId xmlns:a16="http://schemas.microsoft.com/office/drawing/2014/main" id="{D2DC40B8-208F-864F-9CB0-4D4F278286AC}"/>
                 </a:ext>
               </a:extLst>
             </p:cNvPr>
@@ -7022,8 +7560,8 @@
           </p:nvSpPr>
           <p:spPr>
             <a:xfrm>
-              <a:off x="6530339" y="4462269"/>
-              <a:ext cx="2066591" cy="480060"/>
+              <a:off x="1024890" y="3210544"/>
+              <a:ext cx="1485900" cy="372940"/>
             </a:xfrm>
             <a:prstGeom prst="rect">
               <a:avLst/>
@@ -7067,10 +7605,10 @@
         </p:sp>
         <p:sp>
           <p:nvSpPr>
-            <p:cNvPr id="25" name="文本框 24">
+            <p:cNvPr id="59" name="文本框 58">
               <a:extLst>
                 <a:ext uri="{FF2B5EF4-FFF2-40B4-BE49-F238E27FC236}">
-                  <a16:creationId xmlns:a16="http://schemas.microsoft.com/office/drawing/2014/main" id="{BFE9117A-4FAB-3B4B-A6F5-7A31A6513274}"/>
+                  <a16:creationId xmlns:a16="http://schemas.microsoft.com/office/drawing/2014/main" id="{B86649D5-4C92-F54C-AEE6-FCD144A379FC}"/>
                 </a:ext>
               </a:extLst>
             </p:cNvPr>
@@ -7079,8 +7617,8 @@
           </p:nvSpPr>
           <p:spPr>
             <a:xfrm>
-              <a:off x="6530341" y="4517633"/>
-              <a:ext cx="2066590" cy="276999"/>
+              <a:off x="1136073" y="3289419"/>
+              <a:ext cx="1174589" cy="276999"/>
             </a:xfrm>
             <a:prstGeom prst="rect">
               <a:avLst/>
@@ -7097,420 +7635,134 @@
             <a:lstStyle/>
             <a:p>
               <a:r>
-                <a:rPr kumimoji="1" lang="en-US" altLang="zh-CN" sz="1200" dirty="0"/>
-                <a:t>Basic</a:t>
-              </a:r>
-              <a:r>
-                <a:rPr kumimoji="1" lang="zh-CN" altLang="en-US" sz="1200" dirty="0"/>
-                <a:t> </a:t>
-              </a:r>
-              <a:r>
-                <a:rPr kumimoji="1" lang="en-US" altLang="zh-CN" sz="1200" dirty="0"/>
-                <a:t>device</a:t>
-              </a:r>
-              <a:r>
-                <a:rPr kumimoji="1" lang="zh-CN" altLang="en-US" sz="1200" dirty="0"/>
-                <a:t> </a:t>
-              </a:r>
-              <a:r>
-                <a:rPr kumimoji="1" lang="en-US" altLang="zh-CN" sz="1200" dirty="0"/>
-                <a:t>model</a:t>
+                <a:rPr kumimoji="1" lang="en-US" altLang="zh-CN" sz="1200" dirty="0" smtClean="0"/>
+                <a:t>Wind Turbine</a:t>
               </a:r>
               <a:endParaRPr kumimoji="1" lang="zh-CN" altLang="en-US" sz="1200" dirty="0"/>
             </a:p>
           </p:txBody>
         </p:sp>
-        <p:cxnSp>
-          <p:nvCxnSpPr>
-            <p:cNvPr id="26" name="肘形连接符 25">
-              <a:extLst>
-                <a:ext uri="{FF2B5EF4-FFF2-40B4-BE49-F238E27FC236}">
-                  <a16:creationId xmlns:a16="http://schemas.microsoft.com/office/drawing/2014/main" id="{2BBEF383-89D1-9A47-AE64-4ADE63DE4661}"/>
-                </a:ext>
-              </a:extLst>
-            </p:cNvPr>
-            <p:cNvCxnSpPr>
-              <a:cxnSpLocks/>
-              <a:stCxn id="6" idx="2"/>
-              <a:endCxn id="8" idx="1"/>
-            </p:cNvCxnSpPr>
-            <p:nvPr/>
-          </p:nvCxnSpPr>
-          <p:spPr>
-            <a:xfrm rot="16200000" flipH="1">
-              <a:off x="3724454" y="1146676"/>
-              <a:ext cx="792123" cy="742950"/>
-            </a:xfrm>
-            <a:prstGeom prst="bentConnector2">
-              <a:avLst/>
-            </a:prstGeom>
-            <a:solidFill>
-              <a:schemeClr val="bg1"/>
-            </a:solidFill>
-            <a:ln>
-              <a:solidFill>
-                <a:schemeClr val="tx1"/>
-              </a:solidFill>
-            </a:ln>
-          </p:spPr>
-          <p:style>
-            <a:lnRef idx="1">
-              <a:schemeClr val="accent1"/>
-            </a:lnRef>
-            <a:fillRef idx="0">
-              <a:schemeClr val="accent1"/>
-            </a:fillRef>
-            <a:effectRef idx="0">
-              <a:schemeClr val="accent1"/>
-            </a:effectRef>
-            <a:fontRef idx="minor">
-              <a:schemeClr val="tx1"/>
-            </a:fontRef>
-          </p:style>
-        </p:cxnSp>
-        <p:cxnSp>
-          <p:nvCxnSpPr>
-            <p:cNvPr id="27" name="直线连接符 26">
-              <a:extLst>
-                <a:ext uri="{FF2B5EF4-FFF2-40B4-BE49-F238E27FC236}">
-                  <a16:creationId xmlns:a16="http://schemas.microsoft.com/office/drawing/2014/main" id="{89227DFB-F757-424C-A79F-2C9D21D0C13E}"/>
-                </a:ext>
-              </a:extLst>
-            </p:cNvPr>
-            <p:cNvCxnSpPr>
-              <a:cxnSpLocks/>
-              <a:endCxn id="10" idx="1"/>
-            </p:cNvCxnSpPr>
-            <p:nvPr/>
-          </p:nvCxnSpPr>
-          <p:spPr>
-            <a:xfrm flipV="1">
-              <a:off x="5977890" y="1914213"/>
-              <a:ext cx="558800" cy="13009"/>
-            </a:xfrm>
-            <a:prstGeom prst="line">
-              <a:avLst/>
-            </a:prstGeom>
-            <a:solidFill>
-              <a:schemeClr val="bg1"/>
-            </a:solidFill>
-            <a:ln>
-              <a:solidFill>
-                <a:schemeClr val="tx1"/>
-              </a:solidFill>
-            </a:ln>
-          </p:spPr>
-          <p:style>
-            <a:lnRef idx="1">
-              <a:schemeClr val="accent1"/>
-            </a:lnRef>
-            <a:fillRef idx="0">
-              <a:schemeClr val="accent1"/>
-            </a:fillRef>
-            <a:effectRef idx="0">
-              <a:schemeClr val="accent1"/>
-            </a:effectRef>
-            <a:fontRef idx="minor">
-              <a:schemeClr val="tx1"/>
-            </a:fontRef>
-          </p:style>
-        </p:cxnSp>
-        <p:cxnSp>
-          <p:nvCxnSpPr>
-            <p:cNvPr id="28" name="肘形连接符 27">
-              <a:extLst>
-                <a:ext uri="{FF2B5EF4-FFF2-40B4-BE49-F238E27FC236}">
-                  <a16:creationId xmlns:a16="http://schemas.microsoft.com/office/drawing/2014/main" id="{B5B89FF2-6150-FE45-BEED-3A4B3698C316}"/>
-                </a:ext>
-              </a:extLst>
-            </p:cNvPr>
-            <p:cNvCxnSpPr>
-              <a:cxnSpLocks/>
-              <a:endCxn id="25" idx="1"/>
-            </p:cNvCxnSpPr>
-            <p:nvPr/>
-          </p:nvCxnSpPr>
-          <p:spPr>
-            <a:xfrm rot="16200000" flipH="1">
-              <a:off x="5013775" y="3139566"/>
-              <a:ext cx="2737159" cy="295974"/>
-            </a:xfrm>
-            <a:prstGeom prst="bentConnector2">
-              <a:avLst/>
-            </a:prstGeom>
-            <a:solidFill>
-              <a:schemeClr val="bg1"/>
-            </a:solidFill>
-            <a:ln>
-              <a:solidFill>
-                <a:schemeClr val="tx1"/>
-              </a:solidFill>
-            </a:ln>
-          </p:spPr>
-          <p:style>
-            <a:lnRef idx="1">
-              <a:schemeClr val="accent1"/>
-            </a:lnRef>
-            <a:fillRef idx="0">
-              <a:schemeClr val="accent1"/>
-            </a:fillRef>
-            <a:effectRef idx="0">
-              <a:schemeClr val="accent1"/>
-            </a:effectRef>
-            <a:fontRef idx="minor">
-              <a:schemeClr val="tx1"/>
-            </a:fontRef>
-          </p:style>
-        </p:cxnSp>
-        <p:cxnSp>
-          <p:nvCxnSpPr>
-            <p:cNvPr id="29" name="肘形连接符 28">
-              <a:extLst>
-                <a:ext uri="{FF2B5EF4-FFF2-40B4-BE49-F238E27FC236}">
-                  <a16:creationId xmlns:a16="http://schemas.microsoft.com/office/drawing/2014/main" id="{AA58521C-A0DD-BE41-9182-C2B66F01E4EF}"/>
-                </a:ext>
-              </a:extLst>
-            </p:cNvPr>
-            <p:cNvCxnSpPr>
-              <a:stCxn id="12" idx="1"/>
-              <a:endCxn id="16" idx="1"/>
-            </p:cNvCxnSpPr>
-            <p:nvPr/>
-          </p:nvCxnSpPr>
-          <p:spPr>
-            <a:xfrm rot="10800000" flipV="1">
-              <a:off x="8991600" y="882059"/>
-              <a:ext cx="12700" cy="2006203"/>
-            </a:xfrm>
-            <a:prstGeom prst="bentConnector3">
-              <a:avLst>
-                <a:gd name="adj1" fmla="val 1800000"/>
-              </a:avLst>
-            </a:prstGeom>
-            <a:solidFill>
-              <a:schemeClr val="bg1"/>
-            </a:solidFill>
-            <a:ln>
-              <a:solidFill>
-                <a:schemeClr val="tx1"/>
-              </a:solidFill>
-            </a:ln>
-          </p:spPr>
-          <p:style>
-            <a:lnRef idx="1">
-              <a:schemeClr val="accent1"/>
-            </a:lnRef>
-            <a:fillRef idx="0">
-              <a:schemeClr val="accent1"/>
-            </a:fillRef>
-            <a:effectRef idx="0">
-              <a:schemeClr val="accent1"/>
-            </a:effectRef>
-            <a:fontRef idx="minor">
-              <a:schemeClr val="tx1"/>
-            </a:fontRef>
-          </p:style>
-        </p:cxnSp>
-        <p:cxnSp>
-          <p:nvCxnSpPr>
-            <p:cNvPr id="30" name="直线连接符 29">
-              <a:extLst>
-                <a:ext uri="{FF2B5EF4-FFF2-40B4-BE49-F238E27FC236}">
-                  <a16:creationId xmlns:a16="http://schemas.microsoft.com/office/drawing/2014/main" id="{266ED1EE-4795-D84F-8775-7E5E4BCDB2F4}"/>
-                </a:ext>
-              </a:extLst>
-            </p:cNvPr>
-            <p:cNvCxnSpPr>
-              <a:cxnSpLocks/>
-            </p:cNvCxnSpPr>
-            <p:nvPr/>
-          </p:nvCxnSpPr>
-          <p:spPr>
-            <a:xfrm flipV="1">
-              <a:off x="8603281" y="1927221"/>
-              <a:ext cx="388319" cy="1"/>
-            </a:xfrm>
-            <a:prstGeom prst="line">
-              <a:avLst/>
-            </a:prstGeom>
-            <a:solidFill>
-              <a:schemeClr val="bg1"/>
-            </a:solidFill>
-            <a:ln>
-              <a:solidFill>
-                <a:schemeClr val="tx1"/>
-              </a:solidFill>
-            </a:ln>
-          </p:spPr>
-          <p:style>
-            <a:lnRef idx="1">
-              <a:schemeClr val="accent1"/>
-            </a:lnRef>
-            <a:fillRef idx="0">
-              <a:schemeClr val="accent1"/>
-            </a:fillRef>
-            <a:effectRef idx="0">
-              <a:schemeClr val="accent1"/>
-            </a:effectRef>
-            <a:fontRef idx="minor">
-              <a:schemeClr val="tx1"/>
-            </a:fontRef>
-          </p:style>
-        </p:cxnSp>
-        <p:cxnSp>
-          <p:nvCxnSpPr>
-            <p:cNvPr id="31" name="肘形连接符 30">
-              <a:extLst>
-                <a:ext uri="{FF2B5EF4-FFF2-40B4-BE49-F238E27FC236}">
-                  <a16:creationId xmlns:a16="http://schemas.microsoft.com/office/drawing/2014/main" id="{6FC02C06-F870-0D40-A4C9-617D6025A787}"/>
-                </a:ext>
-              </a:extLst>
-            </p:cNvPr>
-            <p:cNvCxnSpPr>
-              <a:endCxn id="22" idx="1"/>
-            </p:cNvCxnSpPr>
-            <p:nvPr/>
-          </p:nvCxnSpPr>
-          <p:spPr>
-            <a:xfrm rot="5400000">
-              <a:off x="7952460" y="4701136"/>
-              <a:ext cx="2071504" cy="12700"/>
-            </a:xfrm>
-            <a:prstGeom prst="bentConnector4">
-              <a:avLst>
-                <a:gd name="adj1" fmla="val 64"/>
-                <a:gd name="adj2" fmla="val 1790913"/>
-              </a:avLst>
-            </a:prstGeom>
-            <a:solidFill>
-              <a:schemeClr val="bg1"/>
-            </a:solidFill>
-            <a:ln>
-              <a:solidFill>
-                <a:schemeClr val="tx1"/>
-              </a:solidFill>
-            </a:ln>
-          </p:spPr>
-          <p:style>
-            <a:lnRef idx="1">
-              <a:schemeClr val="accent1"/>
-            </a:lnRef>
-            <a:fillRef idx="0">
-              <a:schemeClr val="accent1"/>
-            </a:fillRef>
-            <a:effectRef idx="0">
-              <a:schemeClr val="accent1"/>
-            </a:effectRef>
-            <a:fontRef idx="minor">
-              <a:schemeClr val="tx1"/>
-            </a:fontRef>
-          </p:style>
-        </p:cxnSp>
-        <p:cxnSp>
-          <p:nvCxnSpPr>
-            <p:cNvPr id="32" name="直线连接符 31">
-              <a:extLst>
-                <a:ext uri="{FF2B5EF4-FFF2-40B4-BE49-F238E27FC236}">
-                  <a16:creationId xmlns:a16="http://schemas.microsoft.com/office/drawing/2014/main" id="{4500DDC7-1743-8149-BF17-7D13D7D810E8}"/>
-                </a:ext>
-              </a:extLst>
-            </p:cNvPr>
-            <p:cNvCxnSpPr>
-              <a:cxnSpLocks/>
-              <a:stCxn id="24" idx="3"/>
-              <a:endCxn id="20" idx="1"/>
-            </p:cNvCxnSpPr>
-            <p:nvPr/>
-          </p:nvCxnSpPr>
-          <p:spPr>
-            <a:xfrm>
-              <a:off x="8596930" y="4702299"/>
-              <a:ext cx="391282" cy="0"/>
-            </a:xfrm>
-            <a:prstGeom prst="line">
-              <a:avLst/>
-            </a:prstGeom>
-            <a:solidFill>
-              <a:schemeClr val="bg1"/>
-            </a:solidFill>
-            <a:ln>
-              <a:solidFill>
-                <a:schemeClr val="tx1"/>
-              </a:solidFill>
-            </a:ln>
-          </p:spPr>
-          <p:style>
-            <a:lnRef idx="1">
-              <a:schemeClr val="accent1"/>
-            </a:lnRef>
-            <a:fillRef idx="0">
-              <a:schemeClr val="accent1"/>
-            </a:fillRef>
-            <a:effectRef idx="0">
-              <a:schemeClr val="accent1"/>
-            </a:effectRef>
-            <a:fontRef idx="minor">
-              <a:schemeClr val="tx1"/>
-            </a:fontRef>
-          </p:style>
-        </p:cxnSp>
       </p:grpSp>
-    </p:spTree>
-    <p:extLst>
-      <p:ext uri="{BB962C8B-B14F-4D97-AF65-F5344CB8AC3E}">
-        <p14:creationId xmlns:p14="http://schemas.microsoft.com/office/powerpoint/2010/main" val="2394260344"/>
-      </p:ext>
-    </p:extLst>
-  </p:cSld>
-  <p:clrMapOvr>
-    <a:masterClrMapping/>
-  </p:clrMapOvr>
-</p:sld>
-</file>
-
-<file path=ppt/slides/slide3.xml><?xml version="1.0" encoding="utf-8"?>
-<p:sld xmlns:a="http://schemas.openxmlformats.org/drawingml/2006/main" xmlns:r="http://schemas.openxmlformats.org/officeDocument/2006/relationships" xmlns:p="http://schemas.openxmlformats.org/presentationml/2006/main">
-  <p:cSld>
-    <p:spTree>
-      <p:nvGrpSpPr>
-        <p:cNvPr id="1" name=""/>
-        <p:cNvGrpSpPr/>
-        <p:nvPr/>
-      </p:nvGrpSpPr>
-      <p:grpSpPr>
-        <a:xfrm>
-          <a:off x="0" y="0"/>
-          <a:ext cx="0" cy="0"/>
-          <a:chOff x="0" y="0"/>
-          <a:chExt cx="0" cy="0"/>
-        </a:xfrm>
-      </p:grpSpPr>
-      <p:grpSp>
-        <p:nvGrpSpPr>
-          <p:cNvPr id="46" name="组合 45">
+      <p:cxnSp>
+        <p:nvCxnSpPr>
+          <p:cNvPr id="60" name="肘形连接符 59">
             <a:extLst>
               <a:ext uri="{FF2B5EF4-FFF2-40B4-BE49-F238E27FC236}">
-                <a16:creationId xmlns:a16="http://schemas.microsoft.com/office/drawing/2014/main" id="{002E2ED6-0929-BE4D-A282-06BEC5D6B32A}"/>
+                <a16:creationId xmlns:a16="http://schemas.microsoft.com/office/drawing/2014/main" id="{2BBEF383-89D1-9A47-AE64-4ADE63DE4661}"/>
               </a:ext>
             </a:extLst>
           </p:cNvPr>
+          <p:cNvCxnSpPr>
+            <a:cxnSpLocks/>
+            <a:stCxn id="66" idx="3"/>
+            <a:endCxn id="55" idx="1"/>
+          </p:cNvCxnSpPr>
+          <p:nvPr/>
+        </p:nvCxnSpPr>
+        <p:spPr>
+          <a:xfrm flipV="1">
+            <a:off x="2515409" y="2400511"/>
+            <a:ext cx="874063" cy="591594"/>
+          </a:xfrm>
+          <a:prstGeom prst="bentConnector3">
+            <a:avLst>
+              <a:gd name="adj1" fmla="val 50000"/>
+            </a:avLst>
+          </a:prstGeom>
+          <a:solidFill>
+            <a:schemeClr val="bg1"/>
+          </a:solidFill>
+          <a:ln>
+            <a:solidFill>
+              <a:schemeClr val="tx1"/>
+            </a:solidFill>
+          </a:ln>
+        </p:spPr>
+        <p:style>
+          <a:lnRef idx="1">
+            <a:schemeClr val="accent1"/>
+          </a:lnRef>
+          <a:fillRef idx="0">
+            <a:schemeClr val="accent1"/>
+          </a:fillRef>
+          <a:effectRef idx="0">
+            <a:schemeClr val="accent1"/>
+          </a:effectRef>
+          <a:fontRef idx="minor">
+            <a:schemeClr val="tx1"/>
+          </a:fontRef>
+        </p:style>
+      </p:cxnSp>
+      <p:cxnSp>
+        <p:nvCxnSpPr>
+          <p:cNvPr id="61" name="肘形连接符 60">
+            <a:extLst>
+              <a:ext uri="{FF2B5EF4-FFF2-40B4-BE49-F238E27FC236}">
+                <a16:creationId xmlns:a16="http://schemas.microsoft.com/office/drawing/2014/main" id="{2BBEF383-89D1-9A47-AE64-4ADE63DE4661}"/>
+              </a:ext>
+            </a:extLst>
+          </p:cNvPr>
+          <p:cNvCxnSpPr>
+            <a:cxnSpLocks/>
+            <a:stCxn id="63" idx="3"/>
+            <a:endCxn id="55" idx="1"/>
+          </p:cNvCxnSpPr>
+          <p:nvPr/>
+        </p:nvCxnSpPr>
+        <p:spPr>
+          <a:xfrm flipV="1">
+            <a:off x="2515409" y="2400511"/>
+            <a:ext cx="874063" cy="3196"/>
+          </a:xfrm>
+          <a:prstGeom prst="bentConnector3">
+            <a:avLst>
+              <a:gd name="adj1" fmla="val 50000"/>
+            </a:avLst>
+          </a:prstGeom>
+          <a:solidFill>
+            <a:schemeClr val="bg1"/>
+          </a:solidFill>
+          <a:ln>
+            <a:solidFill>
+              <a:schemeClr val="tx1"/>
+            </a:solidFill>
+          </a:ln>
+        </p:spPr>
+        <p:style>
+          <a:lnRef idx="1">
+            <a:schemeClr val="accent1"/>
+          </a:lnRef>
+          <a:fillRef idx="0">
+            <a:schemeClr val="accent1"/>
+          </a:fillRef>
+          <a:effectRef idx="0">
+            <a:schemeClr val="accent1"/>
+          </a:effectRef>
+          <a:fontRef idx="minor">
+            <a:schemeClr val="tx1"/>
+          </a:fontRef>
+        </p:style>
+      </p:cxnSp>
+      <p:grpSp>
+        <p:nvGrpSpPr>
+          <p:cNvPr id="62" name="组合 61"/>
           <p:cNvGrpSpPr/>
           <p:nvPr/>
         </p:nvGrpSpPr>
         <p:grpSpPr>
           <a:xfrm>
-            <a:off x="3365500" y="1045894"/>
-            <a:ext cx="5200650" cy="3915996"/>
-            <a:chOff x="3365500" y="1045894"/>
-            <a:chExt cx="5200650" cy="3915996"/>
+            <a:off x="1029509" y="2217237"/>
+            <a:ext cx="1485900" cy="372940"/>
+            <a:chOff x="1024890" y="3210544"/>
+            <a:chExt cx="1485900" cy="372940"/>
           </a:xfrm>
         </p:grpSpPr>
         <p:sp>
           <p:nvSpPr>
-            <p:cNvPr id="8" name="矩形 7">
+            <p:cNvPr id="63" name="矩形 62">
               <a:extLst>
                 <a:ext uri="{FF2B5EF4-FFF2-40B4-BE49-F238E27FC236}">
-                  <a16:creationId xmlns:a16="http://schemas.microsoft.com/office/drawing/2014/main" id="{A68B87FD-7007-1149-BCFD-1A53A45DC064}"/>
+                  <a16:creationId xmlns:a16="http://schemas.microsoft.com/office/drawing/2014/main" id="{D2DC40B8-208F-864F-9CB0-4D4F278286AC}"/>
                 </a:ext>
               </a:extLst>
             </p:cNvPr>
@@ -7519,60 +7771,8 @@
           </p:nvSpPr>
           <p:spPr>
             <a:xfrm>
-              <a:off x="3365500" y="1094740"/>
-              <a:ext cx="5200650" cy="548640"/>
-            </a:xfrm>
-            <a:prstGeom prst="rect">
-              <a:avLst/>
-            </a:prstGeom>
-            <a:noFill/>
-            <a:ln>
-              <a:solidFill>
-                <a:schemeClr val="tx1"/>
-              </a:solidFill>
-            </a:ln>
-          </p:spPr>
-          <p:style>
-            <a:lnRef idx="2">
-              <a:schemeClr val="accent1">
-                <a:shade val="50000"/>
-              </a:schemeClr>
-            </a:lnRef>
-            <a:fillRef idx="1">
-              <a:schemeClr val="accent1"/>
-            </a:fillRef>
-            <a:effectRef idx="0">
-              <a:schemeClr val="accent1"/>
-            </a:effectRef>
-            <a:fontRef idx="minor">
-              <a:schemeClr val="lt1"/>
-            </a:fontRef>
-          </p:style>
-          <p:txBody>
-            <a:bodyPr rtlCol="0" anchor="ctr"/>
-            <a:lstStyle/>
-            <a:p>
-              <a:pPr algn="ctr"/>
-              <a:endParaRPr kumimoji="1" lang="zh-CN" altLang="en-US" sz="1200"/>
-            </a:p>
-          </p:txBody>
-        </p:sp>
-        <p:sp>
-          <p:nvSpPr>
-            <p:cNvPr id="9" name="矩形 8">
-              <a:extLst>
-                <a:ext uri="{FF2B5EF4-FFF2-40B4-BE49-F238E27FC236}">
-                  <a16:creationId xmlns:a16="http://schemas.microsoft.com/office/drawing/2014/main" id="{FF30A598-FAE5-F34C-AB1B-F9B217EE0752}"/>
-                </a:ext>
-              </a:extLst>
-            </p:cNvPr>
-            <p:cNvSpPr/>
-            <p:nvPr/>
-          </p:nvSpPr>
-          <p:spPr>
-            <a:xfrm>
-              <a:off x="3365500" y="2142822"/>
-              <a:ext cx="5200650" cy="693420"/>
+              <a:off x="1024890" y="3210544"/>
+              <a:ext cx="1485900" cy="372940"/>
             </a:xfrm>
             <a:prstGeom prst="rect">
               <a:avLst/>
@@ -7606,48 +7806,7 @@
             <a:bodyPr rtlCol="0" anchor="ctr"/>
             <a:lstStyle/>
             <a:p>
-              <a:pPr algn="ctr"/>
-              <a:r>
-                <a:rPr kumimoji="1" lang="en-US" altLang="zh-CN" sz="1200" dirty="0" err="1">
-                  <a:solidFill>
-                    <a:schemeClr val="tx1"/>
-                  </a:solidFill>
-                </a:rPr>
-                <a:t>EnOS</a:t>
-              </a:r>
-              <a:r>
-                <a:rPr kumimoji="1" lang="zh-CN" altLang="en-US" sz="1200" dirty="0">
-                  <a:solidFill>
-                    <a:schemeClr val="tx1"/>
-                  </a:solidFill>
-                </a:rPr>
-                <a:t> </a:t>
-              </a:r>
-              <a:r>
-                <a:rPr kumimoji="1" lang="en-US" altLang="zh-CN" sz="1200" dirty="0">
-                  <a:solidFill>
-                    <a:schemeClr val="tx1"/>
-                  </a:solidFill>
-                </a:rPr>
-                <a:t>cloud</a:t>
-              </a:r>
-              <a:r>
-                <a:rPr kumimoji="1" lang="zh-CN" altLang="en-US" sz="1200" dirty="0">
-                  <a:solidFill>
-                    <a:schemeClr val="tx1"/>
-                  </a:solidFill>
-                </a:rPr>
-                <a:t> </a:t>
-              </a:r>
-              <a:r>
-                <a:rPr kumimoji="1" lang="en-US" altLang="zh-CN" sz="1200" dirty="0">
-                  <a:solidFill>
-                    <a:schemeClr val="tx1"/>
-                  </a:solidFill>
-                </a:rPr>
-                <a:t>service</a:t>
-              </a:r>
-              <a:endParaRPr kumimoji="1" lang="zh-CN" altLang="en-US" sz="1200" dirty="0">
+              <a:endParaRPr kumimoji="1" lang="zh-CN" altLang="en-US" sz="1200">
                 <a:solidFill>
                   <a:schemeClr val="tx1"/>
                 </a:solidFill>
@@ -7657,10 +7816,64 @@
         </p:sp>
         <p:sp>
           <p:nvSpPr>
-            <p:cNvPr id="10" name="矩形 9">
+            <p:cNvPr id="64" name="文本框 63">
               <a:extLst>
                 <a:ext uri="{FF2B5EF4-FFF2-40B4-BE49-F238E27FC236}">
-                  <a16:creationId xmlns:a16="http://schemas.microsoft.com/office/drawing/2014/main" id="{E52DCF50-1AA4-5141-B4CE-FA72A4C0BE06}"/>
+                  <a16:creationId xmlns:a16="http://schemas.microsoft.com/office/drawing/2014/main" id="{B86649D5-4C92-F54C-AEE6-FCD144A379FC}"/>
+                </a:ext>
+              </a:extLst>
+            </p:cNvPr>
+            <p:cNvSpPr txBox="1"/>
+            <p:nvPr/>
+          </p:nvSpPr>
+          <p:spPr>
+            <a:xfrm>
+              <a:off x="1136073" y="3289419"/>
+              <a:ext cx="1174589" cy="276999"/>
+            </a:xfrm>
+            <a:prstGeom prst="rect">
+              <a:avLst/>
+            </a:prstGeom>
+            <a:noFill/>
+            <a:ln>
+              <a:noFill/>
+            </a:ln>
+          </p:spPr>
+          <p:txBody>
+            <a:bodyPr wrap="square" rtlCol="0">
+              <a:spAutoFit/>
+            </a:bodyPr>
+            <a:lstStyle/>
+            <a:p>
+              <a:r>
+                <a:rPr kumimoji="1" lang="en-US" altLang="zh-CN" sz="1200" dirty="0" smtClean="0"/>
+                <a:t>Wind Turbine</a:t>
+              </a:r>
+              <a:endParaRPr kumimoji="1" lang="zh-CN" altLang="en-US" sz="1200" dirty="0"/>
+            </a:p>
+          </p:txBody>
+        </p:sp>
+      </p:grpSp>
+      <p:grpSp>
+        <p:nvGrpSpPr>
+          <p:cNvPr id="65" name="组合 64"/>
+          <p:cNvGrpSpPr/>
+          <p:nvPr/>
+        </p:nvGrpSpPr>
+        <p:grpSpPr>
+          <a:xfrm>
+            <a:off x="1029509" y="2805635"/>
+            <a:ext cx="1485900" cy="372940"/>
+            <a:chOff x="1024890" y="3210544"/>
+            <a:chExt cx="1485900" cy="372940"/>
+          </a:xfrm>
+        </p:grpSpPr>
+        <p:sp>
+          <p:nvSpPr>
+            <p:cNvPr id="66" name="矩形 65">
+              <a:extLst>
+                <a:ext uri="{FF2B5EF4-FFF2-40B4-BE49-F238E27FC236}">
+                  <a16:creationId xmlns:a16="http://schemas.microsoft.com/office/drawing/2014/main" id="{D2DC40B8-208F-864F-9CB0-4D4F278286AC}"/>
                 </a:ext>
               </a:extLst>
             </p:cNvPr>
@@ -7669,8 +7882,8 @@
           </p:nvSpPr>
           <p:spPr>
             <a:xfrm>
-              <a:off x="3563620" y="1161512"/>
-              <a:ext cx="876300" cy="396240"/>
+              <a:off x="1024890" y="3210544"/>
+              <a:ext cx="1485900" cy="372940"/>
             </a:xfrm>
             <a:prstGeom prst="rect">
               <a:avLst/>
@@ -7704,16 +7917,7 @@
             <a:bodyPr rtlCol="0" anchor="ctr"/>
             <a:lstStyle/>
             <a:p>
-              <a:pPr algn="ctr"/>
-              <a:r>
-                <a:rPr kumimoji="1" lang="en-US" altLang="zh-CN" sz="1200" dirty="0">
-                  <a:solidFill>
-                    <a:schemeClr val="tx1"/>
-                  </a:solidFill>
-                </a:rPr>
-                <a:t>App</a:t>
-              </a:r>
-              <a:endParaRPr kumimoji="1" lang="zh-CN" altLang="en-US" sz="1200" dirty="0">
+              <a:endParaRPr kumimoji="1" lang="zh-CN" altLang="en-US" sz="1200">
                 <a:solidFill>
                   <a:schemeClr val="tx1"/>
                 </a:solidFill>
@@ -7723,10 +7927,64 @@
         </p:sp>
         <p:sp>
           <p:nvSpPr>
-            <p:cNvPr id="11" name="矩形 10">
+            <p:cNvPr id="67" name="文本框 66">
               <a:extLst>
                 <a:ext uri="{FF2B5EF4-FFF2-40B4-BE49-F238E27FC236}">
-                  <a16:creationId xmlns:a16="http://schemas.microsoft.com/office/drawing/2014/main" id="{2B640036-28ED-4F44-AFDD-4A797BEFF97D}"/>
+                  <a16:creationId xmlns:a16="http://schemas.microsoft.com/office/drawing/2014/main" id="{B86649D5-4C92-F54C-AEE6-FCD144A379FC}"/>
+                </a:ext>
+              </a:extLst>
+            </p:cNvPr>
+            <p:cNvSpPr txBox="1"/>
+            <p:nvPr/>
+          </p:nvSpPr>
+          <p:spPr>
+            <a:xfrm>
+              <a:off x="1136073" y="3289419"/>
+              <a:ext cx="1174589" cy="276999"/>
+            </a:xfrm>
+            <a:prstGeom prst="rect">
+              <a:avLst/>
+            </a:prstGeom>
+            <a:noFill/>
+            <a:ln>
+              <a:noFill/>
+            </a:ln>
+          </p:spPr>
+          <p:txBody>
+            <a:bodyPr wrap="square" rtlCol="0">
+              <a:spAutoFit/>
+            </a:bodyPr>
+            <a:lstStyle/>
+            <a:p>
+              <a:r>
+                <a:rPr kumimoji="1" lang="en-US" altLang="zh-CN" sz="1200" dirty="0" smtClean="0"/>
+                <a:t>Wind Turbine</a:t>
+              </a:r>
+              <a:endParaRPr kumimoji="1" lang="zh-CN" altLang="en-US" sz="1200" dirty="0"/>
+            </a:p>
+          </p:txBody>
+        </p:sp>
+      </p:grpSp>
+      <p:grpSp>
+        <p:nvGrpSpPr>
+          <p:cNvPr id="68" name="组合 67"/>
+          <p:cNvGrpSpPr/>
+          <p:nvPr/>
+        </p:nvGrpSpPr>
+        <p:grpSpPr>
+          <a:xfrm>
+            <a:off x="5527690" y="3247130"/>
+            <a:ext cx="1485900" cy="372940"/>
+            <a:chOff x="1024890" y="3210544"/>
+            <a:chExt cx="1485900" cy="372940"/>
+          </a:xfrm>
+        </p:grpSpPr>
+        <p:sp>
+          <p:nvSpPr>
+            <p:cNvPr id="69" name="矩形 68">
+              <a:extLst>
+                <a:ext uri="{FF2B5EF4-FFF2-40B4-BE49-F238E27FC236}">
+                  <a16:creationId xmlns:a16="http://schemas.microsoft.com/office/drawing/2014/main" id="{D2DC40B8-208F-864F-9CB0-4D4F278286AC}"/>
                 </a:ext>
               </a:extLst>
             </p:cNvPr>
@@ -7735,60 +7993,8 @@
           </p:nvSpPr>
           <p:spPr>
             <a:xfrm>
-              <a:off x="3365500" y="4265693"/>
-              <a:ext cx="5200650" cy="696197"/>
-            </a:xfrm>
-            <a:prstGeom prst="rect">
-              <a:avLst/>
-            </a:prstGeom>
-            <a:noFill/>
-            <a:ln>
-              <a:solidFill>
-                <a:schemeClr val="tx1"/>
-              </a:solidFill>
-            </a:ln>
-          </p:spPr>
-          <p:style>
-            <a:lnRef idx="2">
-              <a:schemeClr val="accent1">
-                <a:shade val="50000"/>
-              </a:schemeClr>
-            </a:lnRef>
-            <a:fillRef idx="1">
-              <a:schemeClr val="accent1"/>
-            </a:fillRef>
-            <a:effectRef idx="0">
-              <a:schemeClr val="accent1"/>
-            </a:effectRef>
-            <a:fontRef idx="minor">
-              <a:schemeClr val="lt1"/>
-            </a:fontRef>
-          </p:style>
-          <p:txBody>
-            <a:bodyPr rtlCol="0" anchor="ctr"/>
-            <a:lstStyle/>
-            <a:p>
-              <a:pPr algn="ctr"/>
-              <a:endParaRPr kumimoji="1" lang="zh-CN" altLang="en-US" sz="1200"/>
-            </a:p>
-          </p:txBody>
-        </p:sp>
-        <p:sp>
-          <p:nvSpPr>
-            <p:cNvPr id="12" name="矩形 11">
-              <a:extLst>
-                <a:ext uri="{FF2B5EF4-FFF2-40B4-BE49-F238E27FC236}">
-                  <a16:creationId xmlns:a16="http://schemas.microsoft.com/office/drawing/2014/main" id="{49000793-8978-3245-A6FF-DB82DB1159BD}"/>
-                </a:ext>
-              </a:extLst>
-            </p:cNvPr>
-            <p:cNvSpPr/>
-            <p:nvPr/>
-          </p:nvSpPr>
-          <p:spPr>
-            <a:xfrm>
-              <a:off x="7497607" y="1161512"/>
-              <a:ext cx="876300" cy="396240"/>
+              <a:off x="1024890" y="3210544"/>
+              <a:ext cx="1485900" cy="372940"/>
             </a:xfrm>
             <a:prstGeom prst="rect">
               <a:avLst/>
@@ -7822,16 +8028,7 @@
             <a:bodyPr rtlCol="0" anchor="ctr"/>
             <a:lstStyle/>
             <a:p>
-              <a:pPr algn="ctr"/>
-              <a:r>
-                <a:rPr kumimoji="1" lang="en-US" altLang="zh-CN" sz="1200" dirty="0">
-                  <a:solidFill>
-                    <a:schemeClr val="tx1"/>
-                  </a:solidFill>
-                </a:rPr>
-                <a:t>App</a:t>
-              </a:r>
-              <a:endParaRPr kumimoji="1" lang="zh-CN" altLang="en-US" sz="1200" dirty="0">
+              <a:endParaRPr kumimoji="1" lang="zh-CN" altLang="en-US" sz="1200">
                 <a:solidFill>
                   <a:schemeClr val="tx1"/>
                 </a:solidFill>
@@ -7841,10 +8038,197 @@
         </p:sp>
         <p:sp>
           <p:nvSpPr>
-            <p:cNvPr id="13" name="矩形 12">
+            <p:cNvPr id="70" name="文本框 69">
               <a:extLst>
                 <a:ext uri="{FF2B5EF4-FFF2-40B4-BE49-F238E27FC236}">
-                  <a16:creationId xmlns:a16="http://schemas.microsoft.com/office/drawing/2014/main" id="{DE9CEA70-FDF5-E745-83D3-2533E8C681CA}"/>
+                  <a16:creationId xmlns:a16="http://schemas.microsoft.com/office/drawing/2014/main" id="{B86649D5-4C92-F54C-AEE6-FCD144A379FC}"/>
+                </a:ext>
+              </a:extLst>
+            </p:cNvPr>
+            <p:cNvSpPr txBox="1"/>
+            <p:nvPr/>
+          </p:nvSpPr>
+          <p:spPr>
+            <a:xfrm>
+              <a:off x="1346937" y="3289419"/>
+              <a:ext cx="963725" cy="276999"/>
+            </a:xfrm>
+            <a:prstGeom prst="rect">
+              <a:avLst/>
+            </a:prstGeom>
+            <a:noFill/>
+            <a:ln>
+              <a:noFill/>
+            </a:ln>
+          </p:spPr>
+          <p:txBody>
+            <a:bodyPr wrap="square" rtlCol="0">
+              <a:spAutoFit/>
+            </a:bodyPr>
+            <a:lstStyle/>
+            <a:p>
+              <a:r>
+                <a:rPr kumimoji="1" lang="en-US" altLang="zh-CN" sz="1200" dirty="0" smtClean="0"/>
+                <a:t>Edge</a:t>
+              </a:r>
+              <a:endParaRPr kumimoji="1" lang="zh-CN" altLang="en-US" sz="1200" dirty="0"/>
+            </a:p>
+          </p:txBody>
+        </p:sp>
+      </p:grpSp>
+      <p:cxnSp>
+        <p:nvCxnSpPr>
+          <p:cNvPr id="71" name="肘形连接符 70">
+            <a:extLst>
+              <a:ext uri="{FF2B5EF4-FFF2-40B4-BE49-F238E27FC236}">
+                <a16:creationId xmlns:a16="http://schemas.microsoft.com/office/drawing/2014/main" id="{2BBEF383-89D1-9A47-AE64-4ADE63DE4661}"/>
+              </a:ext>
+            </a:extLst>
+          </p:cNvPr>
+          <p:cNvCxnSpPr>
+            <a:cxnSpLocks/>
+            <a:stCxn id="55" idx="3"/>
+            <a:endCxn id="69" idx="1"/>
+          </p:cNvCxnSpPr>
+          <p:nvPr/>
+        </p:nvCxnSpPr>
+        <p:spPr>
+          <a:xfrm>
+            <a:off x="4875372" y="2400511"/>
+            <a:ext cx="652318" cy="1033089"/>
+          </a:xfrm>
+          <a:prstGeom prst="bentConnector3">
+            <a:avLst>
+              <a:gd name="adj1" fmla="val 50000"/>
+            </a:avLst>
+          </a:prstGeom>
+          <a:solidFill>
+            <a:schemeClr val="bg1"/>
+          </a:solidFill>
+          <a:ln>
+            <a:solidFill>
+              <a:schemeClr val="tx1"/>
+            </a:solidFill>
+          </a:ln>
+        </p:spPr>
+        <p:style>
+          <a:lnRef idx="1">
+            <a:schemeClr val="accent1"/>
+          </a:lnRef>
+          <a:fillRef idx="0">
+            <a:schemeClr val="accent1"/>
+          </a:fillRef>
+          <a:effectRef idx="0">
+            <a:schemeClr val="accent1"/>
+          </a:effectRef>
+          <a:fontRef idx="minor">
+            <a:schemeClr val="tx1"/>
+          </a:fontRef>
+        </p:style>
+      </p:cxnSp>
+      <p:cxnSp>
+        <p:nvCxnSpPr>
+          <p:cNvPr id="72" name="肘形连接符 71">
+            <a:extLst>
+              <a:ext uri="{FF2B5EF4-FFF2-40B4-BE49-F238E27FC236}">
+                <a16:creationId xmlns:a16="http://schemas.microsoft.com/office/drawing/2014/main" id="{2BBEF383-89D1-9A47-AE64-4ADE63DE4661}"/>
+              </a:ext>
+            </a:extLst>
+          </p:cNvPr>
+          <p:cNvCxnSpPr>
+            <a:cxnSpLocks/>
+            <a:stCxn id="35" idx="3"/>
+            <a:endCxn id="69" idx="1"/>
+          </p:cNvCxnSpPr>
+          <p:nvPr/>
+        </p:nvCxnSpPr>
+        <p:spPr>
+          <a:xfrm flipV="1">
+            <a:off x="4870753" y="3433600"/>
+            <a:ext cx="656937" cy="994295"/>
+          </a:xfrm>
+          <a:prstGeom prst="bentConnector3">
+            <a:avLst>
+              <a:gd name="adj1" fmla="val 50000"/>
+            </a:avLst>
+          </a:prstGeom>
+          <a:solidFill>
+            <a:schemeClr val="bg1"/>
+          </a:solidFill>
+          <a:ln>
+            <a:solidFill>
+              <a:schemeClr val="tx1"/>
+            </a:solidFill>
+          </a:ln>
+        </p:spPr>
+        <p:style>
+          <a:lnRef idx="1">
+            <a:schemeClr val="accent1"/>
+          </a:lnRef>
+          <a:fillRef idx="0">
+            <a:schemeClr val="accent1"/>
+          </a:fillRef>
+          <a:effectRef idx="0">
+            <a:schemeClr val="accent1"/>
+          </a:effectRef>
+          <a:fontRef idx="minor">
+            <a:schemeClr val="tx1"/>
+          </a:fontRef>
+        </p:style>
+      </p:cxnSp>
+      <p:cxnSp>
+        <p:nvCxnSpPr>
+          <p:cNvPr id="74" name="直接连接符 73"/>
+          <p:cNvCxnSpPr/>
+          <p:nvPr/>
+        </p:nvCxnSpPr>
+        <p:spPr>
+          <a:xfrm>
+            <a:off x="7013590" y="3427854"/>
+            <a:ext cx="874063" cy="11492"/>
+          </a:xfrm>
+          <a:prstGeom prst="line">
+            <a:avLst/>
+          </a:prstGeom>
+        </p:spPr>
+        <p:style>
+          <a:lnRef idx="1">
+            <a:schemeClr val="dk1"/>
+          </a:lnRef>
+          <a:fillRef idx="0">
+            <a:schemeClr val="dk1"/>
+          </a:fillRef>
+          <a:effectRef idx="0">
+            <a:schemeClr val="dk1"/>
+          </a:effectRef>
+          <a:fontRef idx="minor">
+            <a:schemeClr val="tx1"/>
+          </a:fontRef>
+        </p:style>
+      </p:cxnSp>
+      <p:grpSp>
+        <p:nvGrpSpPr>
+          <p:cNvPr id="75" name="组合 74"/>
+          <p:cNvGrpSpPr/>
+          <p:nvPr/>
+        </p:nvGrpSpPr>
+        <p:grpSpPr>
+          <a:xfrm>
+            <a:off x="7887132" y="3247913"/>
+            <a:ext cx="1485900" cy="372940"/>
+            <a:chOff x="1024890" y="3210544"/>
+            <a:chExt cx="1485900" cy="372940"/>
+          </a:xfrm>
+          <a:solidFill>
+            <a:srgbClr val="BDD7EE"/>
+          </a:solidFill>
+        </p:grpSpPr>
+        <p:sp>
+          <p:nvSpPr>
+            <p:cNvPr id="76" name="矩形 75">
+              <a:extLst>
+                <a:ext uri="{FF2B5EF4-FFF2-40B4-BE49-F238E27FC236}">
+                  <a16:creationId xmlns:a16="http://schemas.microsoft.com/office/drawing/2014/main" id="{D2DC40B8-208F-864F-9CB0-4D4F278286AC}"/>
                 </a:ext>
               </a:extLst>
             </p:cNvPr>
@@ -7853,15 +8237,13 @@
           </p:nvSpPr>
           <p:spPr>
             <a:xfrm>
-              <a:off x="5621020" y="1161512"/>
-              <a:ext cx="876300" cy="396240"/>
+              <a:off x="1024890" y="3210544"/>
+              <a:ext cx="1485900" cy="372940"/>
             </a:xfrm>
             <a:prstGeom prst="rect">
               <a:avLst/>
             </a:prstGeom>
-            <a:solidFill>
-              <a:schemeClr val="bg2"/>
-            </a:solidFill>
+            <a:grpFill/>
             <a:ln>
               <a:solidFill>
                 <a:schemeClr val="tx1"/>
@@ -7888,16 +8270,7 @@
             <a:bodyPr rtlCol="0" anchor="ctr"/>
             <a:lstStyle/>
             <a:p>
-              <a:pPr algn="ctr"/>
-              <a:r>
-                <a:rPr kumimoji="1" lang="en-US" altLang="zh-CN" sz="1200" dirty="0">
-                  <a:solidFill>
-                    <a:schemeClr val="tx1"/>
-                  </a:solidFill>
-                </a:rPr>
-                <a:t>App</a:t>
-              </a:r>
-              <a:endParaRPr kumimoji="1" lang="zh-CN" altLang="en-US" sz="1200" dirty="0">
+              <a:endParaRPr kumimoji="1" lang="zh-CN" altLang="en-US" sz="1200">
                 <a:solidFill>
                   <a:schemeClr val="tx1"/>
                 </a:solidFill>
@@ -7907,208 +8280,10 @@
         </p:sp>
         <p:sp>
           <p:nvSpPr>
-            <p:cNvPr id="14" name="矩形 13">
+            <p:cNvPr id="77" name="文本框 76">
               <a:extLst>
                 <a:ext uri="{FF2B5EF4-FFF2-40B4-BE49-F238E27FC236}">
-                  <a16:creationId xmlns:a16="http://schemas.microsoft.com/office/drawing/2014/main" id="{8C29D2DB-A440-FF47-8729-BCAEC6931C09}"/>
-                </a:ext>
-              </a:extLst>
-            </p:cNvPr>
-            <p:cNvSpPr/>
-            <p:nvPr/>
-          </p:nvSpPr>
-          <p:spPr>
-            <a:xfrm>
-              <a:off x="4592320" y="1161512"/>
-              <a:ext cx="876300" cy="396240"/>
-            </a:xfrm>
-            <a:prstGeom prst="rect">
-              <a:avLst/>
-            </a:prstGeom>
-            <a:solidFill>
-              <a:schemeClr val="bg2"/>
-            </a:solidFill>
-            <a:ln>
-              <a:solidFill>
-                <a:schemeClr val="tx1"/>
-              </a:solidFill>
-            </a:ln>
-          </p:spPr>
-          <p:style>
-            <a:lnRef idx="2">
-              <a:schemeClr val="accent1">
-                <a:shade val="50000"/>
-              </a:schemeClr>
-            </a:lnRef>
-            <a:fillRef idx="1">
-              <a:schemeClr val="accent1"/>
-            </a:fillRef>
-            <a:effectRef idx="0">
-              <a:schemeClr val="accent1"/>
-            </a:effectRef>
-            <a:fontRef idx="minor">
-              <a:schemeClr val="lt1"/>
-            </a:fontRef>
-          </p:style>
-          <p:txBody>
-            <a:bodyPr rtlCol="0" anchor="ctr"/>
-            <a:lstStyle/>
-            <a:p>
-              <a:pPr algn="ctr"/>
-              <a:r>
-                <a:rPr kumimoji="1" lang="en-US" altLang="zh-CN" sz="1200" dirty="0">
-                  <a:solidFill>
-                    <a:schemeClr val="tx1"/>
-                  </a:solidFill>
-                </a:rPr>
-                <a:t>App</a:t>
-              </a:r>
-              <a:endParaRPr kumimoji="1" lang="zh-CN" altLang="en-US" sz="1200" dirty="0">
-                <a:solidFill>
-                  <a:schemeClr val="tx1"/>
-                </a:solidFill>
-              </a:endParaRPr>
-            </a:p>
-          </p:txBody>
-        </p:sp>
-        <p:sp>
-          <p:nvSpPr>
-            <p:cNvPr id="18" name="矩形 17">
-              <a:extLst>
-                <a:ext uri="{FF2B5EF4-FFF2-40B4-BE49-F238E27FC236}">
-                  <a16:creationId xmlns:a16="http://schemas.microsoft.com/office/drawing/2014/main" id="{6C75AA7E-E2B7-9A4C-9910-98F6DC89118B}"/>
-                </a:ext>
-              </a:extLst>
-            </p:cNvPr>
-            <p:cNvSpPr/>
-            <p:nvPr/>
-          </p:nvSpPr>
-          <p:spPr>
-            <a:xfrm>
-              <a:off x="4592320" y="3540277"/>
-              <a:ext cx="876300" cy="396240"/>
-            </a:xfrm>
-            <a:prstGeom prst="rect">
-              <a:avLst/>
-            </a:prstGeom>
-            <a:solidFill>
-              <a:schemeClr val="bg2"/>
-            </a:solidFill>
-            <a:ln>
-              <a:solidFill>
-                <a:schemeClr val="tx1"/>
-              </a:solidFill>
-            </a:ln>
-          </p:spPr>
-          <p:style>
-            <a:lnRef idx="2">
-              <a:schemeClr val="accent1">
-                <a:shade val="50000"/>
-              </a:schemeClr>
-            </a:lnRef>
-            <a:fillRef idx="1">
-              <a:schemeClr val="accent1"/>
-            </a:fillRef>
-            <a:effectRef idx="0">
-              <a:schemeClr val="accent1"/>
-            </a:effectRef>
-            <a:fontRef idx="minor">
-              <a:schemeClr val="lt1"/>
-            </a:fontRef>
-          </p:style>
-          <p:txBody>
-            <a:bodyPr rtlCol="0" anchor="ctr"/>
-            <a:lstStyle/>
-            <a:p>
-              <a:pPr algn="ctr"/>
-              <a:r>
-                <a:rPr kumimoji="1" lang="en-US" altLang="zh-CN" sz="1200" dirty="0">
-                  <a:solidFill>
-                    <a:schemeClr val="tx1"/>
-                  </a:solidFill>
-                </a:rPr>
-                <a:t>Edge</a:t>
-              </a:r>
-              <a:endParaRPr kumimoji="1" lang="zh-CN" altLang="en-US" sz="1200" dirty="0">
-                <a:solidFill>
-                  <a:schemeClr val="tx1"/>
-                </a:solidFill>
-              </a:endParaRPr>
-            </a:p>
-          </p:txBody>
-        </p:sp>
-        <p:sp>
-          <p:nvSpPr>
-            <p:cNvPr id="19" name="矩形 18">
-              <a:extLst>
-                <a:ext uri="{FF2B5EF4-FFF2-40B4-BE49-F238E27FC236}">
-                  <a16:creationId xmlns:a16="http://schemas.microsoft.com/office/drawing/2014/main" id="{0DE93756-B10B-0E4C-873B-F196DC1D01E1}"/>
-                </a:ext>
-              </a:extLst>
-            </p:cNvPr>
-            <p:cNvSpPr/>
-            <p:nvPr/>
-          </p:nvSpPr>
-          <p:spPr>
-            <a:xfrm>
-              <a:off x="7105870" y="2849569"/>
-              <a:ext cx="876300" cy="396240"/>
-            </a:xfrm>
-            <a:prstGeom prst="rect">
-              <a:avLst/>
-            </a:prstGeom>
-            <a:solidFill>
-              <a:schemeClr val="bg2"/>
-            </a:solidFill>
-            <a:ln>
-              <a:solidFill>
-                <a:schemeClr val="tx1"/>
-              </a:solidFill>
-            </a:ln>
-          </p:spPr>
-          <p:style>
-            <a:lnRef idx="2">
-              <a:schemeClr val="accent1">
-                <a:shade val="50000"/>
-              </a:schemeClr>
-            </a:lnRef>
-            <a:fillRef idx="1">
-              <a:schemeClr val="accent1"/>
-            </a:fillRef>
-            <a:effectRef idx="0">
-              <a:schemeClr val="accent1"/>
-            </a:effectRef>
-            <a:fontRef idx="minor">
-              <a:schemeClr val="lt1"/>
-            </a:fontRef>
-          </p:style>
-          <p:txBody>
-            <a:bodyPr rtlCol="0" anchor="ctr"/>
-            <a:lstStyle/>
-            <a:p>
-              <a:pPr algn="ctr"/>
-              <a:r>
-                <a:rPr kumimoji="1" lang="en-US" altLang="zh-CN" sz="1200" dirty="0">
-                  <a:solidFill>
-                    <a:schemeClr val="tx1"/>
-                  </a:solidFill>
-                </a:rPr>
-                <a:t>Edge</a:t>
-              </a:r>
-              <a:endParaRPr kumimoji="1" lang="zh-CN" altLang="en-US" sz="1200" dirty="0">
-                <a:solidFill>
-                  <a:schemeClr val="tx1"/>
-                </a:solidFill>
-              </a:endParaRPr>
-            </a:p>
-          </p:txBody>
-        </p:sp>
-        <p:sp>
-          <p:nvSpPr>
-            <p:cNvPr id="20" name="文本框 19">
-              <a:extLst>
-                <a:ext uri="{FF2B5EF4-FFF2-40B4-BE49-F238E27FC236}">
-                  <a16:creationId xmlns:a16="http://schemas.microsoft.com/office/drawing/2014/main" id="{5646E567-F552-6040-BE44-F3432C43B3EF}"/>
+                  <a16:creationId xmlns:a16="http://schemas.microsoft.com/office/drawing/2014/main" id="{B86649D5-4C92-F54C-AEE6-FCD144A379FC}"/>
                 </a:ext>
               </a:extLst>
             </p:cNvPr>
@@ -8117,709 +8292,16 @@
           </p:nvSpPr>
           <p:spPr>
             <a:xfrm>
-              <a:off x="3395674" y="3595208"/>
-              <a:ext cx="1061509" cy="276999"/>
+              <a:off x="1119171" y="3289419"/>
+              <a:ext cx="1391618" cy="276999"/>
             </a:xfrm>
             <a:prstGeom prst="rect">
               <a:avLst/>
             </a:prstGeom>
-            <a:noFill/>
-          </p:spPr>
-          <p:txBody>
-            <a:bodyPr wrap="none" rtlCol="0">
-              <a:spAutoFit/>
-            </a:bodyPr>
-            <a:lstStyle/>
-            <a:p>
-              <a:r>
-                <a:rPr kumimoji="1" lang="en-US" altLang="zh-CN" sz="1200" dirty="0"/>
-                <a:t>On-site</a:t>
-              </a:r>
-              <a:r>
-                <a:rPr kumimoji="1" lang="zh-CN" altLang="en-US" sz="1200" dirty="0"/>
-                <a:t> </a:t>
-              </a:r>
-              <a:r>
-                <a:rPr kumimoji="1" lang="en-US" altLang="zh-CN" sz="1200" dirty="0"/>
-                <a:t>Edge</a:t>
-              </a:r>
-              <a:endParaRPr kumimoji="1" lang="zh-CN" altLang="en-US" sz="1200" dirty="0"/>
-            </a:p>
-          </p:txBody>
-        </p:sp>
-        <p:sp>
-          <p:nvSpPr>
-            <p:cNvPr id="21" name="文本框 20">
-              <a:extLst>
-                <a:ext uri="{FF2B5EF4-FFF2-40B4-BE49-F238E27FC236}">
-                  <a16:creationId xmlns:a16="http://schemas.microsoft.com/office/drawing/2014/main" id="{34F363A4-EE36-B648-B1F0-44D8CAA3C438}"/>
-                </a:ext>
-              </a:extLst>
-            </p:cNvPr>
-            <p:cNvSpPr txBox="1"/>
-            <p:nvPr/>
-          </p:nvSpPr>
-          <p:spPr>
-            <a:xfrm>
-              <a:off x="5476898" y="2887327"/>
-              <a:ext cx="1420582" cy="276999"/>
-            </a:xfrm>
-            <a:prstGeom prst="rect">
-              <a:avLst/>
-            </a:prstGeom>
-            <a:noFill/>
-          </p:spPr>
-          <p:txBody>
-            <a:bodyPr wrap="none" rtlCol="0">
-              <a:spAutoFit/>
-            </a:bodyPr>
-            <a:lstStyle/>
-            <a:p>
-              <a:r>
-                <a:rPr kumimoji="1" lang="en-US" altLang="zh-CN" sz="1200" dirty="0"/>
-                <a:t>Cloud-based</a:t>
-              </a:r>
-              <a:r>
-                <a:rPr kumimoji="1" lang="zh-CN" altLang="en-US" sz="1200" dirty="0"/>
-                <a:t> </a:t>
-              </a:r>
-              <a:r>
-                <a:rPr kumimoji="1" lang="en-US" altLang="zh-CN" sz="1200" dirty="0"/>
-                <a:t>Edge</a:t>
-              </a:r>
-              <a:endParaRPr kumimoji="1" lang="zh-CN" altLang="en-US" sz="1200" dirty="0"/>
-            </a:p>
-          </p:txBody>
-        </p:sp>
-        <p:sp>
-          <p:nvSpPr>
-            <p:cNvPr id="22" name="矩形 21">
-              <a:extLst>
-                <a:ext uri="{FF2B5EF4-FFF2-40B4-BE49-F238E27FC236}">
-                  <a16:creationId xmlns:a16="http://schemas.microsoft.com/office/drawing/2014/main" id="{85EBB734-CF49-7B4F-B173-755CBD7DA50E}"/>
-                </a:ext>
-              </a:extLst>
-            </p:cNvPr>
-            <p:cNvSpPr/>
-            <p:nvPr/>
-          </p:nvSpPr>
-          <p:spPr>
-            <a:xfrm>
-              <a:off x="3563619" y="4430281"/>
-              <a:ext cx="876300" cy="396240"/>
-            </a:xfrm>
-            <a:prstGeom prst="rect">
-              <a:avLst/>
-            </a:prstGeom>
-            <a:solidFill>
-              <a:schemeClr val="bg2"/>
-            </a:solidFill>
+            <a:grpFill/>
             <a:ln>
-              <a:solidFill>
-                <a:schemeClr val="tx1"/>
-              </a:solidFill>
+              <a:noFill/>
             </a:ln>
-          </p:spPr>
-          <p:style>
-            <a:lnRef idx="2">
-              <a:schemeClr val="accent1">
-                <a:shade val="50000"/>
-              </a:schemeClr>
-            </a:lnRef>
-            <a:fillRef idx="1">
-              <a:schemeClr val="accent1"/>
-            </a:fillRef>
-            <a:effectRef idx="0">
-              <a:schemeClr val="accent1"/>
-            </a:effectRef>
-            <a:fontRef idx="minor">
-              <a:schemeClr val="lt1"/>
-            </a:fontRef>
-          </p:style>
-          <p:txBody>
-            <a:bodyPr rtlCol="0" anchor="ctr"/>
-            <a:lstStyle/>
-            <a:p>
-              <a:pPr algn="ctr"/>
-              <a:r>
-                <a:rPr kumimoji="1" lang="en-US" altLang="zh-CN" sz="1200" dirty="0">
-                  <a:solidFill>
-                    <a:schemeClr val="tx1"/>
-                  </a:solidFill>
-                </a:rPr>
-                <a:t>Device</a:t>
-              </a:r>
-              <a:endParaRPr kumimoji="1" lang="zh-CN" altLang="en-US" sz="1200" dirty="0">
-                <a:solidFill>
-                  <a:schemeClr val="tx1"/>
-                </a:solidFill>
-              </a:endParaRPr>
-            </a:p>
-          </p:txBody>
-        </p:sp>
-        <p:sp>
-          <p:nvSpPr>
-            <p:cNvPr id="23" name="矩形 22">
-              <a:extLst>
-                <a:ext uri="{FF2B5EF4-FFF2-40B4-BE49-F238E27FC236}">
-                  <a16:creationId xmlns:a16="http://schemas.microsoft.com/office/drawing/2014/main" id="{50B8664B-10B2-9D41-ABD7-FEA8B735F8C5}"/>
-                </a:ext>
-              </a:extLst>
-            </p:cNvPr>
-            <p:cNvSpPr/>
-            <p:nvPr/>
-          </p:nvSpPr>
-          <p:spPr>
-            <a:xfrm>
-              <a:off x="4592320" y="4430281"/>
-              <a:ext cx="876300" cy="396240"/>
-            </a:xfrm>
-            <a:prstGeom prst="rect">
-              <a:avLst/>
-            </a:prstGeom>
-            <a:solidFill>
-              <a:schemeClr val="bg2"/>
-            </a:solidFill>
-            <a:ln>
-              <a:solidFill>
-                <a:schemeClr val="tx1"/>
-              </a:solidFill>
-            </a:ln>
-          </p:spPr>
-          <p:style>
-            <a:lnRef idx="2">
-              <a:schemeClr val="accent1">
-                <a:shade val="50000"/>
-              </a:schemeClr>
-            </a:lnRef>
-            <a:fillRef idx="1">
-              <a:schemeClr val="accent1"/>
-            </a:fillRef>
-            <a:effectRef idx="0">
-              <a:schemeClr val="accent1"/>
-            </a:effectRef>
-            <a:fontRef idx="minor">
-              <a:schemeClr val="lt1"/>
-            </a:fontRef>
-          </p:style>
-          <p:txBody>
-            <a:bodyPr rtlCol="0" anchor="ctr"/>
-            <a:lstStyle/>
-            <a:p>
-              <a:pPr algn="ctr"/>
-              <a:r>
-                <a:rPr kumimoji="1" lang="en-US" altLang="zh-CN" sz="1200" dirty="0">
-                  <a:solidFill>
-                    <a:schemeClr val="tx1"/>
-                  </a:solidFill>
-                </a:rPr>
-                <a:t>3</a:t>
-              </a:r>
-              <a:r>
-                <a:rPr kumimoji="1" lang="en-US" altLang="zh-CN" sz="1200" baseline="30000" dirty="0">
-                  <a:solidFill>
-                    <a:schemeClr val="tx1"/>
-                  </a:solidFill>
-                </a:rPr>
-                <a:t>rd</a:t>
-              </a:r>
-              <a:r>
-                <a:rPr kumimoji="1" lang="zh-CN" altLang="en-US" sz="1200" dirty="0">
-                  <a:solidFill>
-                    <a:schemeClr val="tx1"/>
-                  </a:solidFill>
-                </a:rPr>
-                <a:t> </a:t>
-              </a:r>
-              <a:r>
-                <a:rPr kumimoji="1" lang="en-US" altLang="zh-CN" sz="1200" dirty="0">
-                  <a:solidFill>
-                    <a:schemeClr val="tx1"/>
-                  </a:solidFill>
-                </a:rPr>
-                <a:t>party</a:t>
-              </a:r>
-              <a:r>
-                <a:rPr kumimoji="1" lang="zh-CN" altLang="en-US" sz="1200" dirty="0">
-                  <a:solidFill>
-                    <a:schemeClr val="tx1"/>
-                  </a:solidFill>
-                </a:rPr>
-                <a:t> </a:t>
-              </a:r>
-              <a:r>
-                <a:rPr kumimoji="1" lang="en-US" altLang="zh-CN" sz="1200" dirty="0">
-                  <a:solidFill>
-                    <a:schemeClr val="tx1"/>
-                  </a:solidFill>
-                </a:rPr>
-                <a:t>system</a:t>
-              </a:r>
-              <a:endParaRPr kumimoji="1" lang="zh-CN" altLang="en-US" sz="1200" dirty="0">
-                <a:solidFill>
-                  <a:schemeClr val="tx1"/>
-                </a:solidFill>
-              </a:endParaRPr>
-            </a:p>
-          </p:txBody>
-        </p:sp>
-        <p:sp>
-          <p:nvSpPr>
-            <p:cNvPr id="24" name="矩形 23">
-              <a:extLst>
-                <a:ext uri="{FF2B5EF4-FFF2-40B4-BE49-F238E27FC236}">
-                  <a16:creationId xmlns:a16="http://schemas.microsoft.com/office/drawing/2014/main" id="{BC953CDA-0E73-A144-B48F-A734F4EE5634}"/>
-                </a:ext>
-              </a:extLst>
-            </p:cNvPr>
-            <p:cNvSpPr/>
-            <p:nvPr/>
-          </p:nvSpPr>
-          <p:spPr>
-            <a:xfrm>
-              <a:off x="6468906" y="4430281"/>
-              <a:ext cx="876300" cy="396240"/>
-            </a:xfrm>
-            <a:prstGeom prst="rect">
-              <a:avLst/>
-            </a:prstGeom>
-            <a:solidFill>
-              <a:schemeClr val="bg2"/>
-            </a:solidFill>
-            <a:ln>
-              <a:solidFill>
-                <a:schemeClr val="tx1"/>
-              </a:solidFill>
-            </a:ln>
-          </p:spPr>
-          <p:style>
-            <a:lnRef idx="2">
-              <a:schemeClr val="accent1">
-                <a:shade val="50000"/>
-              </a:schemeClr>
-            </a:lnRef>
-            <a:fillRef idx="1">
-              <a:schemeClr val="accent1"/>
-            </a:fillRef>
-            <a:effectRef idx="0">
-              <a:schemeClr val="accent1"/>
-            </a:effectRef>
-            <a:fontRef idx="minor">
-              <a:schemeClr val="lt1"/>
-            </a:fontRef>
-          </p:style>
-          <p:txBody>
-            <a:bodyPr rtlCol="0" anchor="ctr"/>
-            <a:lstStyle/>
-            <a:p>
-              <a:pPr algn="ctr"/>
-              <a:r>
-                <a:rPr kumimoji="1" lang="en-US" altLang="zh-CN" sz="1200" dirty="0">
-                  <a:solidFill>
-                    <a:schemeClr val="tx1"/>
-                  </a:solidFill>
-                </a:rPr>
-                <a:t>Device</a:t>
-              </a:r>
-              <a:endParaRPr kumimoji="1" lang="zh-CN" altLang="en-US" sz="1200" dirty="0">
-                <a:solidFill>
-                  <a:schemeClr val="tx1"/>
-                </a:solidFill>
-              </a:endParaRPr>
-            </a:p>
-          </p:txBody>
-        </p:sp>
-        <p:sp>
-          <p:nvSpPr>
-            <p:cNvPr id="25" name="矩形 24">
-              <a:extLst>
-                <a:ext uri="{FF2B5EF4-FFF2-40B4-BE49-F238E27FC236}">
-                  <a16:creationId xmlns:a16="http://schemas.microsoft.com/office/drawing/2014/main" id="{CC50D7A7-E545-244A-8895-F29AC1204C57}"/>
-                </a:ext>
-              </a:extLst>
-            </p:cNvPr>
-            <p:cNvSpPr/>
-            <p:nvPr/>
-          </p:nvSpPr>
-          <p:spPr>
-            <a:xfrm>
-              <a:off x="7497607" y="4430281"/>
-              <a:ext cx="876300" cy="396240"/>
-            </a:xfrm>
-            <a:prstGeom prst="rect">
-              <a:avLst/>
-            </a:prstGeom>
-            <a:solidFill>
-              <a:schemeClr val="bg2"/>
-            </a:solidFill>
-            <a:ln>
-              <a:solidFill>
-                <a:schemeClr val="tx1"/>
-              </a:solidFill>
-            </a:ln>
-          </p:spPr>
-          <p:style>
-            <a:lnRef idx="2">
-              <a:schemeClr val="accent1">
-                <a:shade val="50000"/>
-              </a:schemeClr>
-            </a:lnRef>
-            <a:fillRef idx="1">
-              <a:schemeClr val="accent1"/>
-            </a:fillRef>
-            <a:effectRef idx="0">
-              <a:schemeClr val="accent1"/>
-            </a:effectRef>
-            <a:fontRef idx="minor">
-              <a:schemeClr val="lt1"/>
-            </a:fontRef>
-          </p:style>
-          <p:txBody>
-            <a:bodyPr rtlCol="0" anchor="ctr"/>
-            <a:lstStyle/>
-            <a:p>
-              <a:pPr algn="ctr"/>
-              <a:r>
-                <a:rPr kumimoji="1" lang="en-US" altLang="zh-CN" sz="1200" dirty="0">
-                  <a:solidFill>
-                    <a:schemeClr val="tx1"/>
-                  </a:solidFill>
-                </a:rPr>
-                <a:t>3</a:t>
-              </a:r>
-              <a:r>
-                <a:rPr kumimoji="1" lang="en-US" altLang="zh-CN" sz="1200" baseline="30000" dirty="0">
-                  <a:solidFill>
-                    <a:schemeClr val="tx1"/>
-                  </a:solidFill>
-                </a:rPr>
-                <a:t>rd</a:t>
-              </a:r>
-              <a:r>
-                <a:rPr kumimoji="1" lang="zh-CN" altLang="en-US" sz="1200" dirty="0">
-                  <a:solidFill>
-                    <a:schemeClr val="tx1"/>
-                  </a:solidFill>
-                </a:rPr>
-                <a:t> </a:t>
-              </a:r>
-              <a:r>
-                <a:rPr kumimoji="1" lang="en-US" altLang="zh-CN" sz="1200" dirty="0">
-                  <a:solidFill>
-                    <a:schemeClr val="tx1"/>
-                  </a:solidFill>
-                </a:rPr>
-                <a:t>party</a:t>
-              </a:r>
-              <a:r>
-                <a:rPr kumimoji="1" lang="zh-CN" altLang="en-US" sz="1200" dirty="0">
-                  <a:solidFill>
-                    <a:schemeClr val="tx1"/>
-                  </a:solidFill>
-                </a:rPr>
-                <a:t> </a:t>
-              </a:r>
-              <a:r>
-                <a:rPr kumimoji="1" lang="en-US" altLang="zh-CN" sz="1200" dirty="0">
-                  <a:solidFill>
-                    <a:schemeClr val="tx1"/>
-                  </a:solidFill>
-                </a:rPr>
-                <a:t>system</a:t>
-              </a:r>
-              <a:endParaRPr kumimoji="1" lang="zh-CN" altLang="en-US" sz="1200" dirty="0">
-                <a:solidFill>
-                  <a:schemeClr val="tx1"/>
-                </a:solidFill>
-              </a:endParaRPr>
-            </a:p>
-          </p:txBody>
-        </p:sp>
-        <p:cxnSp>
-          <p:nvCxnSpPr>
-            <p:cNvPr id="34" name="直线箭头连接符 33">
-              <a:extLst>
-                <a:ext uri="{FF2B5EF4-FFF2-40B4-BE49-F238E27FC236}">
-                  <a16:creationId xmlns:a16="http://schemas.microsoft.com/office/drawing/2014/main" id="{5C2ECA03-7C65-E74A-947C-203CF8F8CEF4}"/>
-                </a:ext>
-              </a:extLst>
-            </p:cNvPr>
-            <p:cNvCxnSpPr/>
-            <p:nvPr/>
-          </p:nvCxnSpPr>
-          <p:spPr>
-            <a:xfrm>
-              <a:off x="4001769" y="1643380"/>
-              <a:ext cx="0" cy="505018"/>
-            </a:xfrm>
-            <a:prstGeom prst="straightConnector1">
-              <a:avLst/>
-            </a:prstGeom>
-            <a:ln>
-              <a:solidFill>
-                <a:schemeClr val="tx1"/>
-              </a:solidFill>
-              <a:headEnd type="triangle"/>
-              <a:tailEnd type="triangle"/>
-            </a:ln>
-          </p:spPr>
-          <p:style>
-            <a:lnRef idx="1">
-              <a:schemeClr val="accent1"/>
-            </a:lnRef>
-            <a:fillRef idx="0">
-              <a:schemeClr val="accent1"/>
-            </a:fillRef>
-            <a:effectRef idx="0">
-              <a:schemeClr val="accent1"/>
-            </a:effectRef>
-            <a:fontRef idx="minor">
-              <a:schemeClr val="tx1"/>
-            </a:fontRef>
-          </p:style>
-        </p:cxnSp>
-        <p:cxnSp>
-          <p:nvCxnSpPr>
-            <p:cNvPr id="35" name="直线箭头连接符 34">
-              <a:extLst>
-                <a:ext uri="{FF2B5EF4-FFF2-40B4-BE49-F238E27FC236}">
-                  <a16:creationId xmlns:a16="http://schemas.microsoft.com/office/drawing/2014/main" id="{F7FF6500-1B61-BF4F-9BE6-FAB0492B8DFA}"/>
-                </a:ext>
-              </a:extLst>
-            </p:cNvPr>
-            <p:cNvCxnSpPr/>
-            <p:nvPr/>
-          </p:nvCxnSpPr>
-          <p:spPr>
-            <a:xfrm>
-              <a:off x="5891270" y="1643380"/>
-              <a:ext cx="0" cy="505018"/>
-            </a:xfrm>
-            <a:prstGeom prst="straightConnector1">
-              <a:avLst/>
-            </a:prstGeom>
-            <a:ln>
-              <a:solidFill>
-                <a:schemeClr val="tx1"/>
-              </a:solidFill>
-              <a:headEnd type="triangle"/>
-              <a:tailEnd type="triangle"/>
-            </a:ln>
-          </p:spPr>
-          <p:style>
-            <a:lnRef idx="1">
-              <a:schemeClr val="accent1"/>
-            </a:lnRef>
-            <a:fillRef idx="0">
-              <a:schemeClr val="accent1"/>
-            </a:fillRef>
-            <a:effectRef idx="0">
-              <a:schemeClr val="accent1"/>
-            </a:effectRef>
-            <a:fontRef idx="minor">
-              <a:schemeClr val="tx1"/>
-            </a:fontRef>
-          </p:style>
-        </p:cxnSp>
-        <p:cxnSp>
-          <p:nvCxnSpPr>
-            <p:cNvPr id="36" name="直线箭头连接符 35">
-              <a:extLst>
-                <a:ext uri="{FF2B5EF4-FFF2-40B4-BE49-F238E27FC236}">
-                  <a16:creationId xmlns:a16="http://schemas.microsoft.com/office/drawing/2014/main" id="{AE49EB88-E700-9E44-B2F4-B2CD986F32FB}"/>
-                </a:ext>
-              </a:extLst>
-            </p:cNvPr>
-            <p:cNvCxnSpPr/>
-            <p:nvPr/>
-          </p:nvCxnSpPr>
-          <p:spPr>
-            <a:xfrm>
-              <a:off x="7780772" y="1626735"/>
-              <a:ext cx="0" cy="505018"/>
-            </a:xfrm>
-            <a:prstGeom prst="straightConnector1">
-              <a:avLst/>
-            </a:prstGeom>
-            <a:ln>
-              <a:solidFill>
-                <a:schemeClr val="tx1"/>
-              </a:solidFill>
-              <a:headEnd type="triangle"/>
-              <a:tailEnd type="triangle"/>
-            </a:ln>
-          </p:spPr>
-          <p:style>
-            <a:lnRef idx="1">
-              <a:schemeClr val="accent1"/>
-            </a:lnRef>
-            <a:fillRef idx="0">
-              <a:schemeClr val="accent1"/>
-            </a:fillRef>
-            <a:effectRef idx="0">
-              <a:schemeClr val="accent1"/>
-            </a:effectRef>
-            <a:fontRef idx="minor">
-              <a:schemeClr val="tx1"/>
-            </a:fontRef>
-          </p:style>
-        </p:cxnSp>
-        <p:cxnSp>
-          <p:nvCxnSpPr>
-            <p:cNvPr id="38" name="直线箭头连接符 37">
-              <a:extLst>
-                <a:ext uri="{FF2B5EF4-FFF2-40B4-BE49-F238E27FC236}">
-                  <a16:creationId xmlns:a16="http://schemas.microsoft.com/office/drawing/2014/main" id="{C96E5319-E06E-C447-87B1-8595F862FFAF}"/>
-                </a:ext>
-              </a:extLst>
-            </p:cNvPr>
-            <p:cNvCxnSpPr>
-              <a:stCxn id="18" idx="0"/>
-            </p:cNvCxnSpPr>
-            <p:nvPr/>
-          </p:nvCxnSpPr>
-          <p:spPr>
-            <a:xfrm flipV="1">
-              <a:off x="5030470" y="2836242"/>
-              <a:ext cx="0" cy="704035"/>
-            </a:xfrm>
-            <a:prstGeom prst="straightConnector1">
-              <a:avLst/>
-            </a:prstGeom>
-            <a:ln>
-              <a:solidFill>
-                <a:schemeClr val="tx1"/>
-              </a:solidFill>
-              <a:headEnd type="triangle"/>
-              <a:tailEnd type="triangle"/>
-            </a:ln>
-          </p:spPr>
-          <p:style>
-            <a:lnRef idx="1">
-              <a:schemeClr val="accent1"/>
-            </a:lnRef>
-            <a:fillRef idx="0">
-              <a:schemeClr val="accent1"/>
-            </a:fillRef>
-            <a:effectRef idx="0">
-              <a:schemeClr val="accent1"/>
-            </a:effectRef>
-            <a:fontRef idx="minor">
-              <a:schemeClr val="tx1"/>
-            </a:fontRef>
-          </p:style>
-        </p:cxnSp>
-        <p:cxnSp>
-          <p:nvCxnSpPr>
-            <p:cNvPr id="40" name="直线箭头连接符 39">
-              <a:extLst>
-                <a:ext uri="{FF2B5EF4-FFF2-40B4-BE49-F238E27FC236}">
-                  <a16:creationId xmlns:a16="http://schemas.microsoft.com/office/drawing/2014/main" id="{ACC717FD-CCAC-E24D-9F74-7C2606412C16}"/>
-                </a:ext>
-              </a:extLst>
-            </p:cNvPr>
-            <p:cNvCxnSpPr>
-              <a:stCxn id="18" idx="2"/>
-            </p:cNvCxnSpPr>
-            <p:nvPr/>
-          </p:nvCxnSpPr>
-          <p:spPr>
-            <a:xfrm>
-              <a:off x="5030470" y="3936517"/>
-              <a:ext cx="0" cy="329176"/>
-            </a:xfrm>
-            <a:prstGeom prst="straightConnector1">
-              <a:avLst/>
-            </a:prstGeom>
-            <a:ln>
-              <a:solidFill>
-                <a:schemeClr val="tx1"/>
-              </a:solidFill>
-              <a:headEnd type="triangle"/>
-              <a:tailEnd type="triangle"/>
-            </a:ln>
-          </p:spPr>
-          <p:style>
-            <a:lnRef idx="1">
-              <a:schemeClr val="accent1"/>
-            </a:lnRef>
-            <a:fillRef idx="0">
-              <a:schemeClr val="accent1"/>
-            </a:fillRef>
-            <a:effectRef idx="0">
-              <a:schemeClr val="accent1"/>
-            </a:effectRef>
-            <a:fontRef idx="minor">
-              <a:schemeClr val="tx1"/>
-            </a:fontRef>
-          </p:style>
-        </p:cxnSp>
-        <p:cxnSp>
-          <p:nvCxnSpPr>
-            <p:cNvPr id="42" name="直线箭头连接符 41">
-              <a:extLst>
-                <a:ext uri="{FF2B5EF4-FFF2-40B4-BE49-F238E27FC236}">
-                  <a16:creationId xmlns:a16="http://schemas.microsoft.com/office/drawing/2014/main" id="{E7EF1582-EB41-4E4C-A885-715D38677C0A}"/>
-                </a:ext>
-              </a:extLst>
-            </p:cNvPr>
-            <p:cNvCxnSpPr>
-              <a:stCxn id="19" idx="2"/>
-            </p:cNvCxnSpPr>
-            <p:nvPr/>
-          </p:nvCxnSpPr>
-          <p:spPr>
-            <a:xfrm>
-              <a:off x="7544020" y="3245809"/>
-              <a:ext cx="8277" cy="1049103"/>
-            </a:xfrm>
-            <a:prstGeom prst="straightConnector1">
-              <a:avLst/>
-            </a:prstGeom>
-            <a:ln>
-              <a:solidFill>
-                <a:schemeClr val="tx1"/>
-              </a:solidFill>
-              <a:headEnd type="triangle"/>
-              <a:tailEnd type="triangle"/>
-            </a:ln>
-          </p:spPr>
-          <p:style>
-            <a:lnRef idx="1">
-              <a:schemeClr val="accent1"/>
-            </a:lnRef>
-            <a:fillRef idx="0">
-              <a:schemeClr val="accent1"/>
-            </a:fillRef>
-            <a:effectRef idx="0">
-              <a:schemeClr val="accent1"/>
-            </a:effectRef>
-            <a:fontRef idx="minor">
-              <a:schemeClr val="tx1"/>
-            </a:fontRef>
-          </p:style>
-        </p:cxnSp>
-        <p:sp>
-          <p:nvSpPr>
-            <p:cNvPr id="44" name="文本框 43">
-              <a:extLst>
-                <a:ext uri="{FF2B5EF4-FFF2-40B4-BE49-F238E27FC236}">
-                  <a16:creationId xmlns:a16="http://schemas.microsoft.com/office/drawing/2014/main" id="{F6B992AA-22F3-904A-A783-EF77BAF88A1D}"/>
-                </a:ext>
-              </a:extLst>
-            </p:cNvPr>
-            <p:cNvSpPr txBox="1"/>
-            <p:nvPr/>
-          </p:nvSpPr>
-          <p:spPr>
-            <a:xfrm>
-              <a:off x="6712230" y="1045894"/>
-              <a:ext cx="620736" cy="276999"/>
-            </a:xfrm>
-            <a:prstGeom prst="rect">
-              <a:avLst/>
-            </a:prstGeom>
-            <a:noFill/>
           </p:spPr>
           <p:txBody>
             <a:bodyPr wrap="square" rtlCol="0">
@@ -8828,46 +8310,10 @@
             <a:lstStyle/>
             <a:p>
               <a:r>
-                <a:rPr kumimoji="1" lang="en-US" altLang="zh-CN" sz="1200" b="1" dirty="0"/>
-                <a:t>…</a:t>
+                <a:rPr kumimoji="1" lang="en-US" altLang="zh-CN" sz="1200" dirty="0" smtClean="0"/>
+                <a:t>EnOS IoT Hub</a:t>
               </a:r>
-              <a:endParaRPr kumimoji="1" lang="zh-CN" altLang="en-US" sz="1200" b="1" dirty="0"/>
-            </a:p>
-          </p:txBody>
-        </p:sp>
-        <p:sp>
-          <p:nvSpPr>
-            <p:cNvPr id="45" name="文本框 44">
-              <a:extLst>
-                <a:ext uri="{FF2B5EF4-FFF2-40B4-BE49-F238E27FC236}">
-                  <a16:creationId xmlns:a16="http://schemas.microsoft.com/office/drawing/2014/main" id="{A73CCA82-F007-A444-8609-836CD184C23D}"/>
-                </a:ext>
-              </a:extLst>
-            </p:cNvPr>
-            <p:cNvSpPr txBox="1"/>
-            <p:nvPr/>
-          </p:nvSpPr>
-          <p:spPr>
-            <a:xfrm>
-              <a:off x="5655457" y="4315559"/>
-              <a:ext cx="620736" cy="276999"/>
-            </a:xfrm>
-            <a:prstGeom prst="rect">
-              <a:avLst/>
-            </a:prstGeom>
-            <a:noFill/>
-          </p:spPr>
-          <p:txBody>
-            <a:bodyPr wrap="square" rtlCol="0">
-              <a:spAutoFit/>
-            </a:bodyPr>
-            <a:lstStyle/>
-            <a:p>
-              <a:r>
-                <a:rPr kumimoji="1" lang="en-US" altLang="zh-CN" sz="1200" b="1" dirty="0"/>
-                <a:t>…</a:t>
-              </a:r>
-              <a:endParaRPr kumimoji="1" lang="zh-CN" altLang="en-US" sz="1200" b="1" dirty="0"/>
+              <a:endParaRPr kumimoji="1" lang="zh-CN" altLang="en-US" sz="1200" dirty="0"/>
             </a:p>
           </p:txBody>
         </p:sp>
@@ -8875,835 +8321,20 @@
     </p:spTree>
     <p:extLst>
       <p:ext uri="{BB962C8B-B14F-4D97-AF65-F5344CB8AC3E}">
-        <p14:creationId xmlns:p14="http://schemas.microsoft.com/office/powerpoint/2010/main" val="3657281649"/>
+        <p14:creationId xmlns:p14="http://schemas.microsoft.com/office/powerpoint/2010/main" val="2250802741"/>
       </p:ext>
     </p:extLst>
   </p:cSld>
   <p:clrMapOvr>
     <a:masterClrMapping/>
   </p:clrMapOvr>
-</p:sld>
-</file>
-
-<file path=ppt/slides/slide4.xml><?xml version="1.0" encoding="utf-8"?>
-<p:sld xmlns:a="http://schemas.openxmlformats.org/drawingml/2006/main" xmlns:r="http://schemas.openxmlformats.org/officeDocument/2006/relationships" xmlns:p="http://schemas.openxmlformats.org/presentationml/2006/main">
-  <p:cSld>
-    <p:spTree>
-      <p:nvGrpSpPr>
-        <p:cNvPr id="1" name=""/>
-        <p:cNvGrpSpPr/>
-        <p:nvPr/>
-      </p:nvGrpSpPr>
-      <p:grpSpPr>
-        <a:xfrm>
-          <a:off x="0" y="0"/>
-          <a:ext cx="0" cy="0"/>
-          <a:chOff x="0" y="0"/>
-          <a:chExt cx="0" cy="0"/>
-        </a:xfrm>
-      </p:grpSpPr>
-      <p:grpSp>
-        <p:nvGrpSpPr>
-          <p:cNvPr id="35" name="组合 34">
-            <a:extLst>
-              <a:ext uri="{FF2B5EF4-FFF2-40B4-BE49-F238E27FC236}">
-                <a16:creationId xmlns:a16="http://schemas.microsoft.com/office/drawing/2014/main" id="{88E774D5-50B2-4D4C-8623-33B3728BFDAF}"/>
-              </a:ext>
-            </a:extLst>
-          </p:cNvPr>
-          <p:cNvGrpSpPr/>
-          <p:nvPr/>
-        </p:nvGrpSpPr>
-        <p:grpSpPr>
-          <a:xfrm>
-            <a:off x="3007580" y="844065"/>
-            <a:ext cx="6337535" cy="3887654"/>
-            <a:chOff x="5242780" y="666265"/>
-            <a:chExt cx="6337535" cy="3887654"/>
-          </a:xfrm>
-        </p:grpSpPr>
-        <p:sp>
-          <p:nvSpPr>
-            <p:cNvPr id="5" name="矩形 4">
-              <a:extLst>
-                <a:ext uri="{FF2B5EF4-FFF2-40B4-BE49-F238E27FC236}">
-                  <a16:creationId xmlns:a16="http://schemas.microsoft.com/office/drawing/2014/main" id="{337FCB1E-5AC6-1942-ACD4-09066B225BC9}"/>
-                </a:ext>
-              </a:extLst>
-            </p:cNvPr>
-            <p:cNvSpPr/>
-            <p:nvPr/>
-          </p:nvSpPr>
-          <p:spPr>
-            <a:xfrm>
-              <a:off x="6075336" y="666265"/>
-              <a:ext cx="5129939" cy="620094"/>
-            </a:xfrm>
-            <a:prstGeom prst="rect">
-              <a:avLst/>
-            </a:prstGeom>
-            <a:solidFill>
-              <a:schemeClr val="bg2"/>
-            </a:solidFill>
-            <a:ln>
-              <a:solidFill>
-                <a:schemeClr val="tx1"/>
-              </a:solidFill>
-            </a:ln>
-          </p:spPr>
-          <p:style>
-            <a:lnRef idx="2">
-              <a:schemeClr val="accent1">
-                <a:shade val="50000"/>
-              </a:schemeClr>
-            </a:lnRef>
-            <a:fillRef idx="1">
-              <a:schemeClr val="accent1"/>
-            </a:fillRef>
-            <a:effectRef idx="0">
-              <a:schemeClr val="accent1"/>
-            </a:effectRef>
-            <a:fontRef idx="minor">
-              <a:schemeClr val="lt1"/>
-            </a:fontRef>
-          </p:style>
-          <p:txBody>
-            <a:bodyPr rtlCol="0" anchor="ctr"/>
-            <a:lstStyle/>
-            <a:p>
-              <a:pPr algn="ctr"/>
-              <a:r>
-                <a:rPr kumimoji="1" lang="en-US" altLang="zh-CN" sz="1200" dirty="0">
-                  <a:solidFill>
-                    <a:schemeClr val="tx1"/>
-                  </a:solidFill>
-                </a:rPr>
-                <a:t>EnOS</a:t>
-              </a:r>
-              <a:r>
-                <a:rPr kumimoji="1" lang="zh-CN" altLang="en-US" sz="1200" dirty="0">
-                  <a:solidFill>
-                    <a:schemeClr val="tx1"/>
-                  </a:solidFill>
-                </a:rPr>
-                <a:t> </a:t>
-              </a:r>
-              <a:r>
-                <a:rPr kumimoji="1" lang="en-US" altLang="zh-CN" sz="1200" dirty="0">
-                  <a:solidFill>
-                    <a:schemeClr val="tx1"/>
-                  </a:solidFill>
-                </a:rPr>
-                <a:t>cloud</a:t>
-              </a:r>
-              <a:endParaRPr kumimoji="1" lang="zh-CN" altLang="en-US" sz="1200" dirty="0">
-                <a:solidFill>
-                  <a:schemeClr val="tx1"/>
-                </a:solidFill>
-              </a:endParaRPr>
-            </a:p>
-          </p:txBody>
-        </p:sp>
-        <p:sp>
-          <p:nvSpPr>
-            <p:cNvPr id="7" name="矩形 6">
-              <a:extLst>
-                <a:ext uri="{FF2B5EF4-FFF2-40B4-BE49-F238E27FC236}">
-                  <a16:creationId xmlns:a16="http://schemas.microsoft.com/office/drawing/2014/main" id="{8F379998-E376-E641-A20A-83C3F3E083AF}"/>
-                </a:ext>
-              </a:extLst>
-            </p:cNvPr>
-            <p:cNvSpPr/>
-            <p:nvPr/>
-          </p:nvSpPr>
-          <p:spPr>
-            <a:xfrm>
-              <a:off x="7950630" y="2203450"/>
-              <a:ext cx="1379349" cy="632740"/>
-            </a:xfrm>
-            <a:prstGeom prst="rect">
-              <a:avLst/>
-            </a:prstGeom>
-            <a:solidFill>
-              <a:schemeClr val="bg2"/>
-            </a:solidFill>
-            <a:ln>
-              <a:solidFill>
-                <a:schemeClr val="tx1"/>
-              </a:solidFill>
-            </a:ln>
-          </p:spPr>
-          <p:style>
-            <a:lnRef idx="2">
-              <a:schemeClr val="accent1">
-                <a:shade val="50000"/>
-              </a:schemeClr>
-            </a:lnRef>
-            <a:fillRef idx="1">
-              <a:schemeClr val="accent1"/>
-            </a:fillRef>
-            <a:effectRef idx="0">
-              <a:schemeClr val="accent1"/>
-            </a:effectRef>
-            <a:fontRef idx="minor">
-              <a:schemeClr val="lt1"/>
-            </a:fontRef>
-          </p:style>
-          <p:txBody>
-            <a:bodyPr rtlCol="0" anchor="ctr"/>
-            <a:lstStyle/>
-            <a:p>
-              <a:pPr algn="ctr"/>
-              <a:r>
-                <a:rPr kumimoji="1" lang="en-US" altLang="zh-CN" sz="1200" dirty="0">
-                  <a:solidFill>
-                    <a:schemeClr val="tx1"/>
-                  </a:solidFill>
-                </a:rPr>
-                <a:t>Edge</a:t>
-              </a:r>
-              <a:endParaRPr kumimoji="1" lang="zh-CN" altLang="en-US" sz="1200" dirty="0">
-                <a:solidFill>
-                  <a:schemeClr val="tx1"/>
-                </a:solidFill>
-              </a:endParaRPr>
-            </a:p>
-          </p:txBody>
-        </p:sp>
-        <p:sp>
-          <p:nvSpPr>
-            <p:cNvPr id="8" name="矩形 7">
-              <a:extLst>
-                <a:ext uri="{FF2B5EF4-FFF2-40B4-BE49-F238E27FC236}">
-                  <a16:creationId xmlns:a16="http://schemas.microsoft.com/office/drawing/2014/main" id="{5CB5E846-5230-A849-AA28-65950A0078BE}"/>
-                </a:ext>
-              </a:extLst>
-            </p:cNvPr>
-            <p:cNvSpPr/>
-            <p:nvPr/>
-          </p:nvSpPr>
-          <p:spPr>
-            <a:xfrm>
-              <a:off x="6075336" y="3921179"/>
-              <a:ext cx="1379349" cy="632740"/>
-            </a:xfrm>
-            <a:prstGeom prst="rect">
-              <a:avLst/>
-            </a:prstGeom>
-            <a:solidFill>
-              <a:schemeClr val="bg2"/>
-            </a:solidFill>
-            <a:ln>
-              <a:solidFill>
-                <a:schemeClr val="tx1"/>
-              </a:solidFill>
-            </a:ln>
-          </p:spPr>
-          <p:style>
-            <a:lnRef idx="2">
-              <a:schemeClr val="accent1">
-                <a:shade val="50000"/>
-              </a:schemeClr>
-            </a:lnRef>
-            <a:fillRef idx="1">
-              <a:schemeClr val="accent1"/>
-            </a:fillRef>
-            <a:effectRef idx="0">
-              <a:schemeClr val="accent1"/>
-            </a:effectRef>
-            <a:fontRef idx="minor">
-              <a:schemeClr val="lt1"/>
-            </a:fontRef>
-          </p:style>
-          <p:txBody>
-            <a:bodyPr rtlCol="0" anchor="ctr"/>
-            <a:lstStyle/>
-            <a:p>
-              <a:pPr algn="ctr"/>
-              <a:r>
-                <a:rPr kumimoji="1" lang="en-US" altLang="zh-CN" sz="1200" dirty="0">
-                  <a:solidFill>
-                    <a:schemeClr val="tx1"/>
-                  </a:solidFill>
-                </a:rPr>
-                <a:t>Device</a:t>
-              </a:r>
-              <a:endParaRPr kumimoji="1" lang="zh-CN" altLang="en-US" sz="1200" dirty="0">
-                <a:solidFill>
-                  <a:schemeClr val="tx1"/>
-                </a:solidFill>
-              </a:endParaRPr>
-            </a:p>
-          </p:txBody>
-        </p:sp>
-        <p:sp>
-          <p:nvSpPr>
-            <p:cNvPr id="9" name="矩形 8">
-              <a:extLst>
-                <a:ext uri="{FF2B5EF4-FFF2-40B4-BE49-F238E27FC236}">
-                  <a16:creationId xmlns:a16="http://schemas.microsoft.com/office/drawing/2014/main" id="{0F611946-9806-2040-B547-495BB3607903}"/>
-                </a:ext>
-              </a:extLst>
-            </p:cNvPr>
-            <p:cNvSpPr/>
-            <p:nvPr/>
-          </p:nvSpPr>
-          <p:spPr>
-            <a:xfrm>
-              <a:off x="7950630" y="3921179"/>
-              <a:ext cx="1379349" cy="632740"/>
-            </a:xfrm>
-            <a:prstGeom prst="rect">
-              <a:avLst/>
-            </a:prstGeom>
-            <a:solidFill>
-              <a:schemeClr val="bg2"/>
-            </a:solidFill>
-            <a:ln>
-              <a:solidFill>
-                <a:schemeClr val="tx1"/>
-              </a:solidFill>
-            </a:ln>
-          </p:spPr>
-          <p:style>
-            <a:lnRef idx="2">
-              <a:schemeClr val="accent1">
-                <a:shade val="50000"/>
-              </a:schemeClr>
-            </a:lnRef>
-            <a:fillRef idx="1">
-              <a:schemeClr val="accent1"/>
-            </a:fillRef>
-            <a:effectRef idx="0">
-              <a:schemeClr val="accent1"/>
-            </a:effectRef>
-            <a:fontRef idx="minor">
-              <a:schemeClr val="lt1"/>
-            </a:fontRef>
-          </p:style>
-          <p:txBody>
-            <a:bodyPr rtlCol="0" anchor="ctr"/>
-            <a:lstStyle/>
-            <a:p>
-              <a:pPr algn="ctr"/>
-              <a:r>
-                <a:rPr kumimoji="1" lang="en-US" altLang="zh-CN" sz="1200" dirty="0">
-                  <a:solidFill>
-                    <a:schemeClr val="tx1"/>
-                  </a:solidFill>
-                </a:rPr>
-                <a:t>Device</a:t>
-              </a:r>
-              <a:endParaRPr kumimoji="1" lang="zh-CN" altLang="en-US" sz="1200" dirty="0">
-                <a:solidFill>
-                  <a:schemeClr val="tx1"/>
-                </a:solidFill>
-              </a:endParaRPr>
-            </a:p>
-          </p:txBody>
-        </p:sp>
-        <p:sp>
-          <p:nvSpPr>
-            <p:cNvPr id="10" name="矩形 9">
-              <a:extLst>
-                <a:ext uri="{FF2B5EF4-FFF2-40B4-BE49-F238E27FC236}">
-                  <a16:creationId xmlns:a16="http://schemas.microsoft.com/office/drawing/2014/main" id="{2682F7C9-D2DE-044B-818A-5E227AF48EA7}"/>
-                </a:ext>
-              </a:extLst>
-            </p:cNvPr>
-            <p:cNvSpPr/>
-            <p:nvPr/>
-          </p:nvSpPr>
-          <p:spPr>
-            <a:xfrm>
-              <a:off x="9825926" y="3921179"/>
-              <a:ext cx="1379349" cy="632740"/>
-            </a:xfrm>
-            <a:prstGeom prst="rect">
-              <a:avLst/>
-            </a:prstGeom>
-            <a:solidFill>
-              <a:schemeClr val="bg2"/>
-            </a:solidFill>
-            <a:ln>
-              <a:solidFill>
-                <a:schemeClr val="tx1"/>
-              </a:solidFill>
-            </a:ln>
-          </p:spPr>
-          <p:style>
-            <a:lnRef idx="2">
-              <a:schemeClr val="accent1">
-                <a:shade val="50000"/>
-              </a:schemeClr>
-            </a:lnRef>
-            <a:fillRef idx="1">
-              <a:schemeClr val="accent1"/>
-            </a:fillRef>
-            <a:effectRef idx="0">
-              <a:schemeClr val="accent1"/>
-            </a:effectRef>
-            <a:fontRef idx="minor">
-              <a:schemeClr val="lt1"/>
-            </a:fontRef>
-          </p:style>
-          <p:txBody>
-            <a:bodyPr rtlCol="0" anchor="ctr"/>
-            <a:lstStyle/>
-            <a:p>
-              <a:pPr algn="ctr"/>
-              <a:r>
-                <a:rPr kumimoji="1" lang="en-US" altLang="zh-CN" sz="1200" dirty="0">
-                  <a:solidFill>
-                    <a:schemeClr val="tx1"/>
-                  </a:solidFill>
-                </a:rPr>
-                <a:t>Device</a:t>
-              </a:r>
-              <a:endParaRPr kumimoji="1" lang="zh-CN" altLang="en-US" sz="1200" dirty="0">
-                <a:solidFill>
-                  <a:schemeClr val="tx1"/>
-                </a:solidFill>
-              </a:endParaRPr>
-            </a:p>
-          </p:txBody>
-        </p:sp>
-        <p:sp>
-          <p:nvSpPr>
-            <p:cNvPr id="11" name="文本框 10">
-              <a:extLst>
-                <a:ext uri="{FF2B5EF4-FFF2-40B4-BE49-F238E27FC236}">
-                  <a16:creationId xmlns:a16="http://schemas.microsoft.com/office/drawing/2014/main" id="{61AA9584-0C88-4448-8CCC-1DCBC1D9BEF0}"/>
-                </a:ext>
-              </a:extLst>
-            </p:cNvPr>
-            <p:cNvSpPr txBox="1"/>
-            <p:nvPr/>
-          </p:nvSpPr>
-          <p:spPr>
-            <a:xfrm>
-              <a:off x="5242780" y="2280603"/>
-              <a:ext cx="1358064" cy="276999"/>
-            </a:xfrm>
-            <a:prstGeom prst="rect">
-              <a:avLst/>
-            </a:prstGeom>
-            <a:noFill/>
-          </p:spPr>
-          <p:txBody>
-            <a:bodyPr wrap="none" rtlCol="0">
-              <a:spAutoFit/>
-            </a:bodyPr>
-            <a:lstStyle/>
-            <a:p>
-              <a:r>
-                <a:rPr kumimoji="1" lang="en-US" altLang="zh-CN" sz="1200" dirty="0" smtClean="0"/>
-                <a:t>Data transmission</a:t>
-              </a:r>
-              <a:endParaRPr kumimoji="1" lang="zh-CN" altLang="en-US" sz="1200" dirty="0"/>
-            </a:p>
-          </p:txBody>
-        </p:sp>
-        <p:sp>
-          <p:nvSpPr>
-            <p:cNvPr id="12" name="文本框 11">
-              <a:extLst>
-                <a:ext uri="{FF2B5EF4-FFF2-40B4-BE49-F238E27FC236}">
-                  <a16:creationId xmlns:a16="http://schemas.microsoft.com/office/drawing/2014/main" id="{8A50804E-74FE-5440-803C-7DBAED352F2E}"/>
-                </a:ext>
-              </a:extLst>
-            </p:cNvPr>
-            <p:cNvSpPr txBox="1"/>
-            <p:nvPr/>
-          </p:nvSpPr>
-          <p:spPr>
-            <a:xfrm>
-              <a:off x="10515600" y="2206036"/>
-              <a:ext cx="1064715" cy="461665"/>
-            </a:xfrm>
-            <a:prstGeom prst="rect">
-              <a:avLst/>
-            </a:prstGeom>
-            <a:noFill/>
-          </p:spPr>
-          <p:txBody>
-            <a:bodyPr wrap="none" rtlCol="0">
-              <a:spAutoFit/>
-            </a:bodyPr>
-            <a:lstStyle/>
-            <a:p>
-              <a:r>
-                <a:rPr kumimoji="1" lang="en-US" altLang="zh-CN" sz="1200" dirty="0"/>
-                <a:t>Connection</a:t>
-              </a:r>
-            </a:p>
-            <a:p>
-              <a:r>
-                <a:rPr kumimoji="1" lang="en-US" altLang="zh-CN" sz="1200" dirty="0"/>
-                <a:t>configuration</a:t>
-              </a:r>
-              <a:endParaRPr kumimoji="1" lang="zh-CN" altLang="en-US" sz="1200" dirty="0"/>
-            </a:p>
-          </p:txBody>
-        </p:sp>
-        <p:cxnSp>
-          <p:nvCxnSpPr>
-            <p:cNvPr id="14" name="直线箭头连接符 13">
-              <a:extLst>
-                <a:ext uri="{FF2B5EF4-FFF2-40B4-BE49-F238E27FC236}">
-                  <a16:creationId xmlns:a16="http://schemas.microsoft.com/office/drawing/2014/main" id="{BA591B51-2029-A342-A9C9-EADC757157E1}"/>
-                </a:ext>
-              </a:extLst>
-            </p:cNvPr>
-            <p:cNvCxnSpPr>
-              <a:cxnSpLocks/>
-              <a:stCxn id="7" idx="0"/>
-              <a:endCxn id="5" idx="2"/>
-            </p:cNvCxnSpPr>
-            <p:nvPr/>
-          </p:nvCxnSpPr>
-          <p:spPr>
-            <a:xfrm flipV="1">
-              <a:off x="8640305" y="1286359"/>
-              <a:ext cx="1" cy="917091"/>
-            </a:xfrm>
-            <a:prstGeom prst="straightConnector1">
-              <a:avLst/>
-            </a:prstGeom>
-            <a:ln>
-              <a:solidFill>
-                <a:schemeClr val="tx1"/>
-              </a:solidFill>
-              <a:tailEnd type="triangle"/>
-            </a:ln>
-          </p:spPr>
-          <p:style>
-            <a:lnRef idx="1">
-              <a:schemeClr val="accent1"/>
-            </a:lnRef>
-            <a:fillRef idx="0">
-              <a:schemeClr val="accent1"/>
-            </a:fillRef>
-            <a:effectRef idx="0">
-              <a:schemeClr val="accent1"/>
-            </a:effectRef>
-            <a:fontRef idx="minor">
-              <a:schemeClr val="tx1"/>
-            </a:fontRef>
-          </p:style>
-        </p:cxnSp>
-        <p:cxnSp>
-          <p:nvCxnSpPr>
-            <p:cNvPr id="16" name="直线箭头连接符 15">
-              <a:extLst>
-                <a:ext uri="{FF2B5EF4-FFF2-40B4-BE49-F238E27FC236}">
-                  <a16:creationId xmlns:a16="http://schemas.microsoft.com/office/drawing/2014/main" id="{2182FAFF-8816-8C43-9B57-7D8CCC0CC44C}"/>
-                </a:ext>
-              </a:extLst>
-            </p:cNvPr>
-            <p:cNvCxnSpPr>
-              <a:stCxn id="9" idx="0"/>
-              <a:endCxn id="7" idx="2"/>
-            </p:cNvCxnSpPr>
-            <p:nvPr/>
-          </p:nvCxnSpPr>
-          <p:spPr>
-            <a:xfrm flipV="1">
-              <a:off x="8640305" y="2836190"/>
-              <a:ext cx="0" cy="1084989"/>
-            </a:xfrm>
-            <a:prstGeom prst="straightConnector1">
-              <a:avLst/>
-            </a:prstGeom>
-            <a:ln>
-              <a:solidFill>
-                <a:schemeClr val="tx1"/>
-              </a:solidFill>
-              <a:tailEnd type="triangle"/>
-            </a:ln>
-          </p:spPr>
-          <p:style>
-            <a:lnRef idx="1">
-              <a:schemeClr val="accent1"/>
-            </a:lnRef>
-            <a:fillRef idx="0">
-              <a:schemeClr val="accent1"/>
-            </a:fillRef>
-            <a:effectRef idx="0">
-              <a:schemeClr val="accent1"/>
-            </a:effectRef>
-            <a:fontRef idx="minor">
-              <a:schemeClr val="tx1"/>
-            </a:fontRef>
-          </p:style>
-        </p:cxnSp>
-        <p:cxnSp>
-          <p:nvCxnSpPr>
-            <p:cNvPr id="18" name="肘形连接符 17">
-              <a:extLst>
-                <a:ext uri="{FF2B5EF4-FFF2-40B4-BE49-F238E27FC236}">
-                  <a16:creationId xmlns:a16="http://schemas.microsoft.com/office/drawing/2014/main" id="{9CD8C279-9AB7-A747-9B3D-BDD229217AFB}"/>
-                </a:ext>
-              </a:extLst>
-            </p:cNvPr>
-            <p:cNvCxnSpPr>
-              <a:stCxn id="8" idx="0"/>
-              <a:endCxn id="10" idx="0"/>
-            </p:cNvCxnSpPr>
-            <p:nvPr/>
-          </p:nvCxnSpPr>
-          <p:spPr>
-            <a:xfrm rot="5400000" flipH="1" flipV="1">
-              <a:off x="8640306" y="2045884"/>
-              <a:ext cx="12700" cy="3750590"/>
-            </a:xfrm>
-            <a:prstGeom prst="bentConnector3">
-              <a:avLst>
-                <a:gd name="adj1" fmla="val 1800000"/>
-              </a:avLst>
-            </a:prstGeom>
-            <a:ln>
-              <a:solidFill>
-                <a:schemeClr val="tx1"/>
-              </a:solidFill>
-            </a:ln>
-          </p:spPr>
-          <p:style>
-            <a:lnRef idx="1">
-              <a:schemeClr val="accent1"/>
-            </a:lnRef>
-            <a:fillRef idx="0">
-              <a:schemeClr val="accent1"/>
-            </a:fillRef>
-            <a:effectRef idx="0">
-              <a:schemeClr val="accent1"/>
-            </a:effectRef>
-            <a:fontRef idx="minor">
-              <a:schemeClr val="tx1"/>
-            </a:fontRef>
-          </p:style>
-        </p:cxnSp>
-        <p:grpSp>
-          <p:nvGrpSpPr>
-            <p:cNvPr id="30" name="组合 29">
-              <a:extLst>
-                <a:ext uri="{FF2B5EF4-FFF2-40B4-BE49-F238E27FC236}">
-                  <a16:creationId xmlns:a16="http://schemas.microsoft.com/office/drawing/2014/main" id="{06C25141-7E9D-D744-8167-77EB9713EA70}"/>
-                </a:ext>
-              </a:extLst>
-            </p:cNvPr>
-            <p:cNvGrpSpPr/>
-            <p:nvPr/>
-          </p:nvGrpSpPr>
-          <p:grpSpPr>
-            <a:xfrm>
-              <a:off x="10118942" y="1744904"/>
-              <a:ext cx="148683" cy="1494242"/>
-              <a:chOff x="6825554" y="1744904"/>
-              <a:chExt cx="148683" cy="1494242"/>
-            </a:xfrm>
-          </p:grpSpPr>
-          <p:cxnSp>
-            <p:nvCxnSpPr>
-              <p:cNvPr id="23" name="直线连接符 22">
-                <a:extLst>
-                  <a:ext uri="{FF2B5EF4-FFF2-40B4-BE49-F238E27FC236}">
-                    <a16:creationId xmlns:a16="http://schemas.microsoft.com/office/drawing/2014/main" id="{EDD6A3F1-FC65-6C4C-943E-65009BF37851}"/>
-                  </a:ext>
-                </a:extLst>
-              </p:cNvPr>
-              <p:cNvCxnSpPr/>
-              <p:nvPr/>
-            </p:nvCxnSpPr>
-            <p:spPr>
-              <a:xfrm>
-                <a:off x="6974237" y="1744904"/>
-                <a:ext cx="0" cy="1494242"/>
-              </a:xfrm>
-              <a:prstGeom prst="line">
-                <a:avLst/>
-              </a:prstGeom>
-              <a:ln w="38100">
-                <a:solidFill>
-                  <a:schemeClr val="tx1"/>
-                </a:solidFill>
-              </a:ln>
-            </p:spPr>
-            <p:style>
-              <a:lnRef idx="1">
-                <a:schemeClr val="accent1"/>
-              </a:lnRef>
-              <a:fillRef idx="0">
-                <a:schemeClr val="accent1"/>
-              </a:fillRef>
-              <a:effectRef idx="0">
-                <a:schemeClr val="accent1"/>
-              </a:effectRef>
-              <a:fontRef idx="minor">
-                <a:schemeClr val="tx1"/>
-              </a:fontRef>
-            </p:style>
-          </p:cxnSp>
-          <p:cxnSp>
-            <p:nvCxnSpPr>
-              <p:cNvPr id="25" name="直线连接符 24">
-                <a:extLst>
-                  <a:ext uri="{FF2B5EF4-FFF2-40B4-BE49-F238E27FC236}">
-                    <a16:creationId xmlns:a16="http://schemas.microsoft.com/office/drawing/2014/main" id="{21586C7E-01CE-164C-B7FD-3BE68DC37185}"/>
-                  </a:ext>
-                </a:extLst>
-              </p:cNvPr>
-              <p:cNvCxnSpPr>
-                <a:cxnSpLocks/>
-              </p:cNvCxnSpPr>
-              <p:nvPr/>
-            </p:nvCxnSpPr>
-            <p:spPr>
-              <a:xfrm>
-                <a:off x="6825554" y="2926934"/>
-                <a:ext cx="148683" cy="312212"/>
-              </a:xfrm>
-              <a:prstGeom prst="line">
-                <a:avLst/>
-              </a:prstGeom>
-              <a:ln w="38100">
-                <a:solidFill>
-                  <a:schemeClr val="tx1"/>
-                </a:solidFill>
-              </a:ln>
-            </p:spPr>
-            <p:style>
-              <a:lnRef idx="1">
-                <a:schemeClr val="accent1"/>
-              </a:lnRef>
-              <a:fillRef idx="0">
-                <a:schemeClr val="accent1"/>
-              </a:fillRef>
-              <a:effectRef idx="0">
-                <a:schemeClr val="accent1"/>
-              </a:effectRef>
-              <a:fontRef idx="minor">
-                <a:schemeClr val="tx1"/>
-              </a:fontRef>
-            </p:style>
-          </p:cxnSp>
-        </p:grpSp>
-        <p:grpSp>
-          <p:nvGrpSpPr>
-            <p:cNvPr id="31" name="组合 30">
-              <a:extLst>
-                <a:ext uri="{FF2B5EF4-FFF2-40B4-BE49-F238E27FC236}">
-                  <a16:creationId xmlns:a16="http://schemas.microsoft.com/office/drawing/2014/main" id="{7E534B1C-5A5C-E540-A9C6-78674ECE9BA4}"/>
-                </a:ext>
-              </a:extLst>
-            </p:cNvPr>
-            <p:cNvGrpSpPr/>
-            <p:nvPr/>
-          </p:nvGrpSpPr>
-          <p:grpSpPr>
-            <a:xfrm flipV="1">
-              <a:off x="6864301" y="1744904"/>
-              <a:ext cx="148683" cy="1494242"/>
-              <a:chOff x="6825554" y="1744904"/>
-              <a:chExt cx="148683" cy="1494242"/>
-            </a:xfrm>
-          </p:grpSpPr>
-          <p:cxnSp>
-            <p:nvCxnSpPr>
-              <p:cNvPr id="32" name="直线连接符 31">
-                <a:extLst>
-                  <a:ext uri="{FF2B5EF4-FFF2-40B4-BE49-F238E27FC236}">
-                    <a16:creationId xmlns:a16="http://schemas.microsoft.com/office/drawing/2014/main" id="{004BE652-A2D9-294F-8B7C-5AC80CC6504E}"/>
-                  </a:ext>
-                </a:extLst>
-              </p:cNvPr>
-              <p:cNvCxnSpPr/>
-              <p:nvPr/>
-            </p:nvCxnSpPr>
-            <p:spPr>
-              <a:xfrm>
-                <a:off x="6974237" y="1744904"/>
-                <a:ext cx="0" cy="1494242"/>
-              </a:xfrm>
-              <a:prstGeom prst="line">
-                <a:avLst/>
-              </a:prstGeom>
-              <a:ln w="38100">
-                <a:solidFill>
-                  <a:schemeClr val="tx1"/>
-                </a:solidFill>
-              </a:ln>
-            </p:spPr>
-            <p:style>
-              <a:lnRef idx="1">
-                <a:schemeClr val="accent1"/>
-              </a:lnRef>
-              <a:fillRef idx="0">
-                <a:schemeClr val="accent1"/>
-              </a:fillRef>
-              <a:effectRef idx="0">
-                <a:schemeClr val="accent1"/>
-              </a:effectRef>
-              <a:fontRef idx="minor">
-                <a:schemeClr val="tx1"/>
-              </a:fontRef>
-            </p:style>
-          </p:cxnSp>
-          <p:cxnSp>
-            <p:nvCxnSpPr>
-              <p:cNvPr id="33" name="直线连接符 32">
-                <a:extLst>
-                  <a:ext uri="{FF2B5EF4-FFF2-40B4-BE49-F238E27FC236}">
-                    <a16:creationId xmlns:a16="http://schemas.microsoft.com/office/drawing/2014/main" id="{4B84BCC3-A1C0-9E41-8188-B0431E2B0270}"/>
-                  </a:ext>
-                </a:extLst>
-              </p:cNvPr>
-              <p:cNvCxnSpPr>
-                <a:cxnSpLocks/>
-              </p:cNvCxnSpPr>
-              <p:nvPr/>
-            </p:nvCxnSpPr>
-            <p:spPr>
-              <a:xfrm>
-                <a:off x="6825554" y="2926934"/>
-                <a:ext cx="148683" cy="312212"/>
-              </a:xfrm>
-              <a:prstGeom prst="line">
-                <a:avLst/>
-              </a:prstGeom>
-              <a:ln w="38100">
-                <a:solidFill>
-                  <a:schemeClr val="tx1"/>
-                </a:solidFill>
-              </a:ln>
-            </p:spPr>
-            <p:style>
-              <a:lnRef idx="1">
-                <a:schemeClr val="accent1"/>
-              </a:lnRef>
-              <a:fillRef idx="0">
-                <a:schemeClr val="accent1"/>
-              </a:fillRef>
-              <a:effectRef idx="0">
-                <a:schemeClr val="accent1"/>
-              </a:effectRef>
-              <a:fontRef idx="minor">
-                <a:schemeClr val="tx1"/>
-              </a:fontRef>
-            </p:style>
-          </p:cxnSp>
-        </p:grpSp>
-      </p:grpSp>
-    </p:spTree>
-    <p:extLst>
-      <p:ext uri="{BB962C8B-B14F-4D97-AF65-F5344CB8AC3E}">
-        <p14:creationId xmlns:p14="http://schemas.microsoft.com/office/powerpoint/2010/main" val="3341054491"/>
-      </p:ext>
-    </p:extLst>
-  </p:cSld>
-  <p:clrMapOvr>
-    <a:masterClrMapping/>
-  </p:clrMapOvr>
+  <p:timing>
+    <p:tnLst>
+      <p:par>
+        <p:cTn id="1" dur="indefinite" restart="never" nodeType="tmRoot"/>
+      </p:par>
+    </p:tnLst>
+  </p:timing>
 </p:sld>
 </file>
 
